--- a/3组_商城后台管理系统_中期报告.pptx
+++ b/3组_商城后台管理系统_中期报告.pptx
@@ -18,21 +18,20 @@
     <p:sldId id="264" r:id="rId11"/>
     <p:sldId id="290" r:id="rId12"/>
     <p:sldId id="291" r:id="rId13"/>
-    <p:sldId id="294" r:id="rId14"/>
-    <p:sldId id="293" r:id="rId15"/>
-    <p:sldId id="267" r:id="rId16"/>
+    <p:sldId id="306" r:id="rId14"/>
+    <p:sldId id="267" r:id="rId15"/>
+    <p:sldId id="314" r:id="rId16"/>
     <p:sldId id="268" r:id="rId17"/>
     <p:sldId id="269" r:id="rId18"/>
     <p:sldId id="277" r:id="rId19"/>
     <p:sldId id="273" r:id="rId20"/>
     <p:sldId id="274" r:id="rId21"/>
-    <p:sldId id="275" r:id="rId22"/>
-    <p:sldId id="276" r:id="rId23"/>
+    <p:sldId id="276" r:id="rId22"/>
   </p:sldIdLst>
   <p:sldSz cx="9144000" cy="5143500"/>
   <p:notesSz cx="5143500" cy="9144000"/>
   <p:custDataLst>
-    <p:tags r:id="rId27"/>
+    <p:tags r:id="rId26"/>
   </p:custDataLst>
   <p:defaultTextStyle>
     <a:lvl1pPr marL="0" algn="l" defTabSz="914400" rtl="0" eaLnBrk="1" latinLnBrk="0" hangingPunct="1">
@@ -945,84 +944,6 @@
 </file>
 
 <file path=ppt/notesSlides/notesSlide15.xml><?xml version="1.0" encoding="utf-8"?>
-<p:notes xmlns:a="http://schemas.openxmlformats.org/drawingml/2006/main" xmlns:r="http://schemas.openxmlformats.org/officeDocument/2006/relationships" xmlns:p="http://schemas.openxmlformats.org/presentationml/2006/main">
-  <p:cSld>
-    <p:spTree>
-      <p:nvGrpSpPr>
-        <p:cNvPr id="1" name=""/>
-        <p:cNvGrpSpPr/>
-        <p:nvPr/>
-      </p:nvGrpSpPr>
-      <p:grpSpPr>
-        <a:xfrm>
-          <a:off x="0" y="0"/>
-          <a:ext cx="0" cy="0"/>
-          <a:chOff x="0" y="0"/>
-          <a:chExt cx="0" cy="0"/>
-        </a:xfrm>
-      </p:grpSpPr>
-      <p:sp>
-        <p:nvSpPr>
-          <p:cNvPr id="2" name="Slide Image Placeholder 1"/>
-          <p:cNvSpPr>
-            <a:spLocks noGrp="1" noRot="1" noChangeAspect="1"/>
-          </p:cNvSpPr>
-          <p:nvPr>
-            <p:ph type="sldImg"/>
-          </p:nvPr>
-        </p:nvSpPr>
-        <p:spPr/>
-      </p:sp>
-      <p:sp>
-        <p:nvSpPr>
-          <p:cNvPr id="3" name="Notes Placeholder 2"/>
-          <p:cNvSpPr>
-            <a:spLocks noGrp="1"/>
-          </p:cNvSpPr>
-          <p:nvPr>
-            <p:ph type="body" idx="1"/>
-          </p:nvPr>
-        </p:nvSpPr>
-        <p:spPr/>
-        <p:txBody>
-          <a:bodyPr/>
-          <a:lstStyle/>
-          <a:p>
-            <a:endParaRPr lang="en-US" dirty="0"/>
-          </a:p>
-        </p:txBody>
-      </p:sp>
-      <p:sp>
-        <p:nvSpPr>
-          <p:cNvPr id="4" name="Slide Number Placeholder 3"/>
-          <p:cNvSpPr>
-            <a:spLocks noGrp="1"/>
-          </p:cNvSpPr>
-          <p:nvPr>
-            <p:ph type="sldNum" sz="quarter" idx="10"/>
-          </p:nvPr>
-        </p:nvSpPr>
-        <p:spPr/>
-        <p:txBody>
-          <a:bodyPr/>
-          <a:lstStyle/>
-          <a:p>
-            <a:fld id="{F7021451-1387-4CA6-816F-3879F97B5CBC}" type="slidenum">
-              <a:rPr lang="en-US"/>
-            </a:fld>
-            <a:endParaRPr lang="en-US"/>
-          </a:p>
-        </p:txBody>
-      </p:sp>
-    </p:spTree>
-  </p:cSld>
-  <p:clrMapOvr>
-    <a:masterClrMapping/>
-  </p:clrMapOvr>
-</p:notes>
-</file>
-
-<file path=ppt/notesSlides/notesSlide16.xml><?xml version="1.0" encoding="utf-8"?>
 <p:notes xmlns:a="http://schemas.openxmlformats.org/drawingml/2006/main" xmlns:r="http://schemas.openxmlformats.org/officeDocument/2006/relationships" xmlns:p="http://schemas.openxmlformats.org/presentationml/2006/main">
   <p:cSld>
     <p:spTree>
@@ -2501,8 +2422,8 @@
         </p:nvSpPr>
         <p:spPr>
           <a:xfrm>
-            <a:off x="142875" y="215900"/>
-            <a:ext cx="4424680" cy="783590"/>
+            <a:off x="311150" y="300355"/>
+            <a:ext cx="4794885" cy="716280"/>
           </a:xfrm>
           <a:prstGeom prst="rect">
             <a:avLst/>
@@ -2511,7 +2432,7 @@
         </p:spPr>
         <p:txBody>
           <a:bodyPr wrap="square" rtlCol="0">
-            <a:spAutoFit/>
+            <a:noAutofit/>
           </a:bodyPr>
           <a:p>
             <a:r>
@@ -2534,7 +2455,7 @@
                 <a:ea typeface="微软雅黑" panose="020B0503020204020204" pitchFamily="34" charset="-122"/>
                 <a:cs typeface="微软雅黑" panose="020B0503020204020204" pitchFamily="34" charset="-122"/>
               </a:rPr>
-              <a:t>4</a:t>
+              <a:t>5-7</a:t>
             </a:r>
             <a:r>
               <a:rPr lang="zh-CN" altLang="en-US" sz="2250">
@@ -2545,7 +2466,7 @@
                 <a:ea typeface="微软雅黑" panose="020B0503020204020204" pitchFamily="34" charset="-122"/>
                 <a:cs typeface="微软雅黑" panose="020B0503020204020204" pitchFamily="34" charset="-122"/>
               </a:rPr>
-              <a:t>周：核心功能开发及测试</a:t>
+              <a:t>周：高级功能实现及测试</a:t>
             </a:r>
             <a:endParaRPr lang="zh-CN" altLang="en-US" sz="2250">
               <a:solidFill>
@@ -2557,6 +2478,11 @@
             </a:endParaRPr>
           </a:p>
           <a:p>
+            <a:pPr algn="l">
+              <a:buClrTx/>
+              <a:buSzTx/>
+              <a:buFontTx/>
+            </a:pPr>
             <a:endParaRPr lang="zh-CN" altLang="en-US" sz="2250">
               <a:solidFill>
                 <a:schemeClr val="bg1"/>
@@ -2576,8 +2502,8 @@
         </p:nvSpPr>
         <p:spPr>
           <a:xfrm>
-            <a:off x="335915" y="1612900"/>
-            <a:ext cx="5241290" cy="2030095"/>
+            <a:off x="311785" y="1637665"/>
+            <a:ext cx="6972935" cy="2987675"/>
           </a:xfrm>
           <a:prstGeom prst="rect">
             <a:avLst/>
@@ -2586,79 +2512,773 @@
         </p:spPr>
         <p:txBody>
           <a:bodyPr wrap="square" rtlCol="0">
-            <a:spAutoFit/>
+            <a:noAutofit/>
           </a:bodyPr>
           <a:p>
-            <a:r>
-              <a:rPr lang="en-US" altLang="zh-CN"/>
-              <a:t>1. </a:t>
-            </a:r>
-            <a:r>
-              <a:rPr lang="zh-CN" altLang="en-US"/>
-              <a:t>用户权限模块</a:t>
-            </a:r>
             <a:endParaRPr lang="zh-CN" altLang="en-US"/>
           </a:p>
-          <a:p>
-            <a:r>
-              <a:rPr lang="en-US" altLang="zh-CN"/>
-              <a:t>   	- RBAC</a:t>
-            </a:r>
-            <a:r>
-              <a:rPr lang="zh-CN" altLang="en-US"/>
-              <a:t>模型实现</a:t>
-            </a:r>
-            <a:endParaRPr lang="zh-CN" altLang="en-US"/>
-          </a:p>
-          <a:p>
-            <a:r>
-              <a:rPr lang="en-US" altLang="zh-CN"/>
-              <a:t>   	- </a:t>
-            </a:r>
-            <a:r>
-              <a:rPr lang="zh-CN" altLang="en-US"/>
-              <a:t>动态路由生成</a:t>
-            </a:r>
-            <a:endParaRPr lang="zh-CN" altLang="en-US"/>
-          </a:p>
-          <a:p>
-            <a:r>
-              <a:rPr lang="en-US" altLang="zh-CN"/>
-              <a:t>   	- </a:t>
-            </a:r>
-            <a:r>
-              <a:rPr lang="zh-CN" altLang="en-US"/>
-              <a:t>权限指令开发</a:t>
-            </a:r>
-            <a:endParaRPr lang="zh-CN" altLang="en-US"/>
-          </a:p>
-          <a:p>
-            <a:r>
-              <a:rPr lang="en-US" altLang="zh-CN"/>
-              <a:t>2.</a:t>
-            </a:r>
-            <a:r>
-              <a:rPr lang="zh-CN" altLang="en-US"/>
-              <a:t>测试</a:t>
-            </a:r>
-            <a:endParaRPr lang="zh-CN" altLang="en-US"/>
-          </a:p>
-          <a:p>
-            <a:r>
-              <a:rPr lang="en-US" altLang="zh-CN"/>
-              <a:t>- </a:t>
-            </a:r>
-            <a:r>
-              <a:rPr lang="zh-CN" altLang="en-US"/>
-              <a:t>测试以上内容的正确性及兼容性等</a:t>
-            </a:r>
-            <a:endParaRPr lang="zh-CN" altLang="en-US"/>
-          </a:p>
-          <a:p>
-            <a:endParaRPr lang="zh-CN" altLang="en-US"/>
-          </a:p>
-        </p:txBody>
-      </p:sp>
+        </p:txBody>
+      </p:sp>
+      <p:graphicFrame>
+        <p:nvGraphicFramePr>
+          <p:cNvPr id="6" name="表格 5"/>
+          <p:cNvGraphicFramePr/>
+          <p:nvPr>
+            <p:custDataLst>
+              <p:tags r:id="rId2"/>
+            </p:custDataLst>
+          </p:nvPr>
+        </p:nvGraphicFramePr>
+        <p:xfrm>
+          <a:off x="826135" y="1339215"/>
+          <a:ext cx="8128635" cy="4294505"/>
+        </p:xfrm>
+        <a:graphic>
+          <a:graphicData uri="http://schemas.openxmlformats.org/drawingml/2006/table">
+            <a:tbl>
+              <a:tblPr/>
+              <a:tblGrid>
+                <a:gridCol w="1803400"/>
+                <a:gridCol w="1804035"/>
+                <a:gridCol w="4521200"/>
+              </a:tblGrid>
+              <a:tr h="332105">
+                <a:tc>
+                  <a:txBody>
+                    <a:bodyPr/>
+                    <a:p>
+                      <a:pPr marL="68580" algn="l">
+                        <a:buClrTx/>
+                        <a:buSzTx/>
+                        <a:buFontTx/>
+                      </a:pPr>
+                      <a:r>
+                        <a:rPr lang="en-US" altLang="zh-CN" sz="2000" b="1">
+                          <a:latin typeface="Calibri" panose="020F0502020204030204"/>
+                          <a:ea typeface="Calibri" panose="020F0502020204030204"/>
+                        </a:rPr>
+                        <a:t>时间</a:t>
+                      </a:r>
+                      <a:endParaRPr lang="en-US" altLang="zh-CN" sz="2000" b="1">
+                        <a:latin typeface="Calibri" panose="020F0502020204030204"/>
+                        <a:ea typeface="Calibri" panose="020F0502020204030204"/>
+                      </a:endParaRPr>
+                    </a:p>
+                  </a:txBody>
+                  <a:tcPr marL="68580" marR="68580" marT="0" marB="0" anchor="t" anchorCtr="0">
+                    <a:lnL w="12700" cap="flat" cmpd="sng">
+                      <a:solidFill>
+                        <a:srgbClr val="000008"/>
+                      </a:solidFill>
+                      <a:prstDash val="solid"/>
+                      <a:headEnd type="none" w="med" len="med"/>
+                      <a:tailEnd type="none" w="med" len="med"/>
+                    </a:lnL>
+                    <a:lnR w="12700" cap="flat" cmpd="sng">
+                      <a:solidFill>
+                        <a:srgbClr val="000008"/>
+                      </a:solidFill>
+                      <a:prstDash val="solid"/>
+                      <a:headEnd type="none" w="med" len="med"/>
+                      <a:tailEnd type="none" w="med" len="med"/>
+                    </a:lnR>
+                    <a:lnT w="12700" cap="flat" cmpd="sng">
+                      <a:solidFill>
+                        <a:srgbClr val="000008"/>
+                      </a:solidFill>
+                      <a:prstDash val="solid"/>
+                      <a:headEnd type="none" w="med" len="med"/>
+                      <a:tailEnd type="none" w="med" len="med"/>
+                    </a:lnT>
+                    <a:lnB w="12700" cap="flat" cmpd="sng">
+                      <a:solidFill>
+                        <a:srgbClr val="000008"/>
+                      </a:solidFill>
+                      <a:prstDash val="solid"/>
+                      <a:headEnd type="none" w="med" len="med"/>
+                      <a:tailEnd type="none" w="med" len="med"/>
+                    </a:lnB>
+                    <a:noFill/>
+                  </a:tcPr>
+                </a:tc>
+                <a:tc>
+                  <a:txBody>
+                    <a:bodyPr/>
+                    <a:p>
+                      <a:pPr marL="68580" algn="l">
+                        <a:buClrTx/>
+                        <a:buSzTx/>
+                        <a:buFontTx/>
+                      </a:pPr>
+                      <a:r>
+                        <a:rPr lang="en-US" altLang="zh-CN" sz="2000" b="1">
+                          <a:latin typeface="Calibri" panose="020F0502020204030204"/>
+                          <a:ea typeface="Calibri" panose="020F0502020204030204"/>
+                        </a:rPr>
+                        <a:t>阶段</a:t>
+                      </a:r>
+                      <a:endParaRPr lang="en-US" altLang="zh-CN" sz="2000" b="1">
+                        <a:latin typeface="Calibri" panose="020F0502020204030204"/>
+                        <a:ea typeface="Calibri" panose="020F0502020204030204"/>
+                      </a:endParaRPr>
+                    </a:p>
+                  </a:txBody>
+                  <a:tcPr marL="68580" marR="68580" marT="0" marB="0" anchor="t" anchorCtr="0">
+                    <a:lnL w="12700" cap="flat" cmpd="sng">
+                      <a:solidFill>
+                        <a:srgbClr val="000008"/>
+                      </a:solidFill>
+                      <a:prstDash val="solid"/>
+                      <a:headEnd type="none" w="med" len="med"/>
+                      <a:tailEnd type="none" w="med" len="med"/>
+                    </a:lnL>
+                    <a:lnR w="12700" cap="flat" cmpd="sng">
+                      <a:solidFill>
+                        <a:srgbClr val="000008"/>
+                      </a:solidFill>
+                      <a:prstDash val="solid"/>
+                      <a:headEnd type="none" w="med" len="med"/>
+                      <a:tailEnd type="none" w="med" len="med"/>
+                    </a:lnR>
+                    <a:lnT w="12700" cap="flat" cmpd="sng">
+                      <a:solidFill>
+                        <a:srgbClr val="000008"/>
+                      </a:solidFill>
+                      <a:prstDash val="solid"/>
+                      <a:headEnd type="none" w="med" len="med"/>
+                      <a:tailEnd type="none" w="med" len="med"/>
+                    </a:lnT>
+                    <a:lnB w="12700" cap="flat" cmpd="sng">
+                      <a:solidFill>
+                        <a:srgbClr val="000008"/>
+                      </a:solidFill>
+                      <a:prstDash val="solid"/>
+                      <a:headEnd type="none" w="med" len="med"/>
+                      <a:tailEnd type="none" w="med" len="med"/>
+                    </a:lnB>
+                    <a:noFill/>
+                  </a:tcPr>
+                </a:tc>
+                <a:tc>
+                  <a:txBody>
+                    <a:bodyPr/>
+                    <a:p>
+                      <a:pPr marL="68580" algn="l">
+                        <a:buClrTx/>
+                        <a:buSzTx/>
+                        <a:buFontTx/>
+                      </a:pPr>
+                      <a:r>
+                        <a:rPr lang="en-US" altLang="zh-CN" sz="2000" b="1">
+                          <a:latin typeface="Calibri" panose="020F0502020204030204"/>
+                          <a:ea typeface="Calibri" panose="020F0502020204030204"/>
+                        </a:rPr>
+                        <a:t>具体内容</a:t>
+                      </a:r>
+                      <a:endParaRPr lang="en-US" altLang="zh-CN" sz="2000" b="1">
+                        <a:latin typeface="Calibri" panose="020F0502020204030204"/>
+                        <a:ea typeface="Calibri" panose="020F0502020204030204"/>
+                      </a:endParaRPr>
+                    </a:p>
+                  </a:txBody>
+                  <a:tcPr marL="68580" marR="68580" marT="0" marB="0" anchor="t" anchorCtr="0">
+                    <a:lnL w="12700" cap="flat" cmpd="sng">
+                      <a:solidFill>
+                        <a:srgbClr val="000008"/>
+                      </a:solidFill>
+                      <a:prstDash val="solid"/>
+                      <a:headEnd type="none" w="med" len="med"/>
+                      <a:tailEnd type="none" w="med" len="med"/>
+                    </a:lnL>
+                    <a:lnR w="6350" cap="flat" cmpd="sng">
+                      <a:solidFill>
+                        <a:srgbClr val="000008"/>
+                      </a:solidFill>
+                      <a:prstDash val="solid"/>
+                      <a:headEnd type="none" w="med" len="med"/>
+                      <a:tailEnd type="none" w="med" len="med"/>
+                    </a:lnR>
+                    <a:lnT w="12700" cap="flat" cmpd="sng">
+                      <a:solidFill>
+                        <a:srgbClr val="000008"/>
+                      </a:solidFill>
+                      <a:prstDash val="solid"/>
+                      <a:headEnd type="none" w="med" len="med"/>
+                      <a:tailEnd type="none" w="med" len="med"/>
+                    </a:lnT>
+                    <a:lnB w="12700" cap="flat" cmpd="sng">
+                      <a:solidFill>
+                        <a:srgbClr val="000008"/>
+                      </a:solidFill>
+                      <a:prstDash val="solid"/>
+                      <a:headEnd type="none" w="med" len="med"/>
+                      <a:tailEnd type="none" w="med" len="med"/>
+                    </a:lnB>
+                    <a:noFill/>
+                  </a:tcPr>
+                </a:tc>
+              </a:tr>
+              <a:tr h="1219200">
+                <a:tc>
+                  <a:txBody>
+                    <a:bodyPr/>
+                    <a:p>
+                      <a:pPr marL="68580" algn="l">
+                        <a:buClrTx/>
+                        <a:buSzTx/>
+                        <a:buFontTx/>
+                      </a:pPr>
+                      <a:r>
+                        <a:rPr lang="en-US" altLang="zh-CN" sz="1600" b="1">
+                          <a:latin typeface="Calibri" panose="020F0502020204030204"/>
+                          <a:ea typeface="Calibri" panose="020F0502020204030204"/>
+                        </a:rPr>
+                        <a:t>5~6周</a:t>
+                      </a:r>
+                      <a:endParaRPr lang="en-US" altLang="zh-CN" sz="1600" b="1">
+                        <a:latin typeface="Calibri" panose="020F0502020204030204"/>
+                        <a:ea typeface="Calibri" panose="020F0502020204030204"/>
+                      </a:endParaRPr>
+                    </a:p>
+                  </a:txBody>
+                  <a:tcPr marL="68580" marR="68580" marT="0" marB="0" anchor="t" anchorCtr="0">
+                    <a:lnL w="12700" cap="flat" cmpd="sng">
+                      <a:solidFill>
+                        <a:srgbClr val="000008"/>
+                      </a:solidFill>
+                      <a:prstDash val="solid"/>
+                      <a:headEnd type="none" w="med" len="med"/>
+                      <a:tailEnd type="none" w="med" len="med"/>
+                    </a:lnL>
+                    <a:lnR w="12700" cap="flat" cmpd="sng">
+                      <a:solidFill>
+                        <a:srgbClr val="000008"/>
+                      </a:solidFill>
+                      <a:prstDash val="solid"/>
+                      <a:headEnd type="none" w="med" len="med"/>
+                      <a:tailEnd type="none" w="med" len="med"/>
+                    </a:lnR>
+                    <a:lnT w="12700" cap="flat" cmpd="sng">
+                      <a:solidFill>
+                        <a:srgbClr val="000008"/>
+                      </a:solidFill>
+                      <a:prstDash val="solid"/>
+                      <a:headEnd type="none" w="med" len="med"/>
+                      <a:tailEnd type="none" w="med" len="med"/>
+                    </a:lnT>
+                    <a:lnB w="12700" cap="flat" cmpd="sng">
+                      <a:solidFill>
+                        <a:srgbClr val="000008"/>
+                      </a:solidFill>
+                      <a:prstDash val="solid"/>
+                      <a:headEnd type="none" w="med" len="med"/>
+                      <a:tailEnd type="none" w="med" len="med"/>
+                    </a:lnB>
+                    <a:noFill/>
+                  </a:tcPr>
+                </a:tc>
+                <a:tc>
+                  <a:txBody>
+                    <a:bodyPr/>
+                    <a:p>
+                      <a:pPr marL="68580" algn="l">
+                        <a:buClrTx/>
+                        <a:buSzTx/>
+                        <a:buFontTx/>
+                      </a:pPr>
+                      <a:r>
+                        <a:rPr lang="en-US" altLang="zh-CN" sz="1600" b="1">
+                          <a:latin typeface="Calibri" panose="020F0502020204030204"/>
+                          <a:ea typeface="Calibri" panose="020F0502020204030204"/>
+                        </a:rPr>
+                        <a:t>国际化，登录，登出</a:t>
+                      </a:r>
+                      <a:endParaRPr lang="en-US" altLang="zh-CN" sz="1600" b="1">
+                        <a:latin typeface="Calibri" panose="020F0502020204030204"/>
+                        <a:ea typeface="Calibri" panose="020F0502020204030204"/>
+                      </a:endParaRPr>
+                    </a:p>
+                  </a:txBody>
+                  <a:tcPr marL="68580" marR="68580" marT="0" marB="0" anchor="t" anchorCtr="0">
+                    <a:lnL w="12700" cap="flat" cmpd="sng">
+                      <a:solidFill>
+                        <a:srgbClr val="000008"/>
+                      </a:solidFill>
+                      <a:prstDash val="solid"/>
+                      <a:headEnd type="none" w="med" len="med"/>
+                      <a:tailEnd type="none" w="med" len="med"/>
+                    </a:lnL>
+                    <a:lnR w="12700" cap="flat" cmpd="sng">
+                      <a:solidFill>
+                        <a:srgbClr val="000008"/>
+                      </a:solidFill>
+                      <a:prstDash val="solid"/>
+                      <a:headEnd type="none" w="med" len="med"/>
+                      <a:tailEnd type="none" w="med" len="med"/>
+                    </a:lnR>
+                    <a:lnT w="12700" cap="flat" cmpd="sng">
+                      <a:solidFill>
+                        <a:srgbClr val="000008"/>
+                      </a:solidFill>
+                      <a:prstDash val="solid"/>
+                      <a:headEnd type="none" w="med" len="med"/>
+                      <a:tailEnd type="none" w="med" len="med"/>
+                    </a:lnT>
+                    <a:lnB w="12700" cap="flat" cmpd="sng">
+                      <a:solidFill>
+                        <a:srgbClr val="000008"/>
+                      </a:solidFill>
+                      <a:prstDash val="solid"/>
+                      <a:headEnd type="none" w="med" len="med"/>
+                      <a:tailEnd type="none" w="med" len="med"/>
+                    </a:lnB>
+                    <a:noFill/>
+                  </a:tcPr>
+                </a:tc>
+                <a:tc>
+                  <a:txBody>
+                    <a:bodyPr/>
+                    <a:p>
+                      <a:pPr marL="68580" algn="l">
+                        <a:buClrTx/>
+                        <a:buSzTx/>
+                        <a:buFontTx/>
+                      </a:pPr>
+                      <a:r>
+                        <a:rPr lang="en-US" altLang="zh-CN" sz="1600" b="1">
+                          <a:latin typeface="Calibri" panose="020F0502020204030204"/>
+                          <a:ea typeface="Calibri" panose="020F0502020204030204"/>
+                        </a:rPr>
+                        <a:t>Vue-i8n国际化 Element-国际化，登录布局，登录-功能实现-数据持久化-vuex，Echarts使Mock.js模拟数据</a:t>
+                      </a:r>
+                      <a:endParaRPr lang="en-US" altLang="zh-CN" sz="1600" b="1">
+                        <a:latin typeface="Calibri" panose="020F0502020204030204"/>
+                        <a:ea typeface="Calibri" panose="020F0502020204030204"/>
+                      </a:endParaRPr>
+                    </a:p>
+                  </a:txBody>
+                  <a:tcPr marL="68580" marR="68580" marT="0" marB="0" anchor="t" anchorCtr="0">
+                    <a:lnL w="12700" cap="flat" cmpd="sng">
+                      <a:solidFill>
+                        <a:srgbClr val="000008"/>
+                      </a:solidFill>
+                      <a:prstDash val="solid"/>
+                      <a:headEnd type="none" w="med" len="med"/>
+                      <a:tailEnd type="none" w="med" len="med"/>
+                    </a:lnL>
+                    <a:lnR w="6350" cap="flat" cmpd="sng">
+                      <a:solidFill>
+                        <a:srgbClr val="000008"/>
+                      </a:solidFill>
+                      <a:prstDash val="solid"/>
+                      <a:headEnd type="none" w="med" len="med"/>
+                      <a:tailEnd type="none" w="med" len="med"/>
+                    </a:lnR>
+                    <a:lnT w="12700" cap="flat" cmpd="sng">
+                      <a:solidFill>
+                        <a:srgbClr val="000008"/>
+                      </a:solidFill>
+                      <a:prstDash val="solid"/>
+                      <a:headEnd type="none" w="med" len="med"/>
+                      <a:tailEnd type="none" w="med" len="med"/>
+                    </a:lnT>
+                    <a:lnB w="12700" cap="flat" cmpd="sng">
+                      <a:solidFill>
+                        <a:srgbClr val="000008"/>
+                      </a:solidFill>
+                      <a:prstDash val="solid"/>
+                      <a:headEnd type="none" w="med" len="med"/>
+                      <a:tailEnd type="none" w="med" len="med"/>
+                    </a:lnB>
+                    <a:noFill/>
+                  </a:tcPr>
+                </a:tc>
+              </a:tr>
+              <a:tr h="906145">
+                <a:tc>
+                  <a:txBody>
+                    <a:bodyPr/>
+                    <a:p>
+                      <a:pPr marL="68580" algn="l">
+                        <a:buClrTx/>
+                        <a:buSzTx/>
+                        <a:buFontTx/>
+                      </a:pPr>
+                      <a:r>
+                        <a:rPr lang="en-US" altLang="zh-CN" sz="1600" b="1">
+                          <a:latin typeface="Calibri" panose="020F0502020204030204"/>
+                          <a:ea typeface="Calibri" panose="020F0502020204030204"/>
+                        </a:rPr>
+                        <a:t>5~6周</a:t>
+                      </a:r>
+                      <a:endParaRPr lang="en-US" altLang="zh-CN" sz="1600" b="1">
+                        <a:latin typeface="Calibri" panose="020F0502020204030204"/>
+                        <a:ea typeface="Calibri" panose="020F0502020204030204"/>
+                      </a:endParaRPr>
+                    </a:p>
+                  </a:txBody>
+                  <a:tcPr marL="68580" marR="68580" marT="0" marB="0" anchor="t" anchorCtr="0">
+                    <a:lnL w="12700" cap="flat" cmpd="sng">
+                      <a:solidFill>
+                        <a:srgbClr val="000008"/>
+                      </a:solidFill>
+                      <a:prstDash val="solid"/>
+                      <a:headEnd type="none" w="med" len="med"/>
+                      <a:tailEnd type="none" w="med" len="med"/>
+                    </a:lnL>
+                    <a:lnR w="12700" cap="flat" cmpd="sng">
+                      <a:solidFill>
+                        <a:srgbClr val="000008"/>
+                      </a:solidFill>
+                      <a:prstDash val="solid"/>
+                      <a:headEnd type="none" w="med" len="med"/>
+                      <a:tailEnd type="none" w="med" len="med"/>
+                    </a:lnR>
+                    <a:lnT w="12700" cap="flat" cmpd="sng">
+                      <a:solidFill>
+                        <a:srgbClr val="000008"/>
+                      </a:solidFill>
+                      <a:prstDash val="solid"/>
+                      <a:headEnd type="none" w="med" len="med"/>
+                      <a:tailEnd type="none" w="med" len="med"/>
+                    </a:lnT>
+                    <a:lnB w="12700" cap="flat" cmpd="sng">
+                      <a:solidFill>
+                        <a:srgbClr val="000008"/>
+                      </a:solidFill>
+                      <a:prstDash val="solid"/>
+                      <a:headEnd type="none" w="med" len="med"/>
+                      <a:tailEnd type="none" w="med" len="med"/>
+                    </a:lnB>
+                    <a:noFill/>
+                  </a:tcPr>
+                </a:tc>
+                <a:tc>
+                  <a:txBody>
+                    <a:bodyPr/>
+                    <a:p>
+                      <a:pPr marL="68580" algn="l">
+                        <a:buClrTx/>
+                        <a:buSzTx/>
+                        <a:buFontTx/>
+                      </a:pPr>
+                      <a:r>
+                        <a:rPr lang="en-US" altLang="zh-CN" sz="1600" b="1">
+                          <a:latin typeface="Calibri" panose="020F0502020204030204"/>
+                          <a:ea typeface="Calibri" panose="020F0502020204030204"/>
+                        </a:rPr>
+                        <a:t>规格参数</a:t>
+                      </a:r>
+                      <a:endParaRPr lang="en-US" altLang="zh-CN" sz="1600" b="1">
+                        <a:latin typeface="Calibri" panose="020F0502020204030204"/>
+                        <a:ea typeface="Calibri" panose="020F0502020204030204"/>
+                      </a:endParaRPr>
+                    </a:p>
+                  </a:txBody>
+                  <a:tcPr marL="68580" marR="68580" marT="0" marB="0" anchor="t" anchorCtr="0">
+                    <a:lnL w="12700" cap="flat" cmpd="sng">
+                      <a:solidFill>
+                        <a:srgbClr val="000008"/>
+                      </a:solidFill>
+                      <a:prstDash val="solid"/>
+                      <a:headEnd type="none" w="med" len="med"/>
+                      <a:tailEnd type="none" w="med" len="med"/>
+                    </a:lnL>
+                    <a:lnR w="12700" cap="flat" cmpd="sng">
+                      <a:solidFill>
+                        <a:srgbClr val="000008"/>
+                      </a:solidFill>
+                      <a:prstDash val="solid"/>
+                      <a:headEnd type="none" w="med" len="med"/>
+                      <a:tailEnd type="none" w="med" len="med"/>
+                    </a:lnR>
+                    <a:lnT w="12700" cap="flat" cmpd="sng">
+                      <a:solidFill>
+                        <a:srgbClr val="000008"/>
+                      </a:solidFill>
+                      <a:prstDash val="solid"/>
+                      <a:headEnd type="none" w="med" len="med"/>
+                      <a:tailEnd type="none" w="med" len="med"/>
+                    </a:lnT>
+                    <a:lnB w="12700" cap="flat" cmpd="sng">
+                      <a:solidFill>
+                        <a:srgbClr val="000008"/>
+                      </a:solidFill>
+                      <a:prstDash val="solid"/>
+                      <a:headEnd type="none" w="med" len="med"/>
+                      <a:tailEnd type="none" w="med" len="med"/>
+                    </a:lnB>
+                    <a:noFill/>
+                  </a:tcPr>
+                </a:tc>
+                <a:tc>
+                  <a:txBody>
+                    <a:bodyPr/>
+                    <a:p>
+                      <a:pPr marL="68580" algn="l">
+                        <a:buClrTx/>
+                        <a:buSzTx/>
+                        <a:buFontTx/>
+                      </a:pPr>
+                      <a:r>
+                        <a:rPr lang="en-US" altLang="zh-CN" sz="1600" b="1">
+                          <a:latin typeface="Calibri" panose="020F0502020204030204"/>
+                          <a:ea typeface="Calibri" panose="020F0502020204030204"/>
+                        </a:rPr>
+                        <a:t>规格参数列表获取，添加规格参数-动态表单，规格参数配置，商品添加-规格参数回显</a:t>
+                      </a:r>
+                      <a:endParaRPr lang="en-US" altLang="zh-CN" sz="1600" b="1">
+                        <a:latin typeface="Calibri" panose="020F0502020204030204"/>
+                        <a:ea typeface="Calibri" panose="020F0502020204030204"/>
+                      </a:endParaRPr>
+                    </a:p>
+                    <a:p>
+                      <a:pPr marL="68580" algn="l">
+                        <a:buClrTx/>
+                        <a:buSzTx/>
+                        <a:buFontTx/>
+                      </a:pPr>
+                      <a:r>
+                        <a:rPr lang="en-US" altLang="zh-CN" sz="1600" b="1">
+                          <a:latin typeface="Calibri" panose="020F0502020204030204"/>
+                          <a:ea typeface="Calibri" panose="020F0502020204030204"/>
+                        </a:rPr>
+                        <a:t> </a:t>
+                      </a:r>
+                      <a:endParaRPr lang="en-US" altLang="zh-CN" sz="1600" b="1">
+                        <a:latin typeface="Calibri" panose="020F0502020204030204"/>
+                        <a:ea typeface="Calibri" panose="020F0502020204030204"/>
+                      </a:endParaRPr>
+                    </a:p>
+                  </a:txBody>
+                  <a:tcPr marL="68580" marR="68580" marT="0" marB="0" anchor="t" anchorCtr="0">
+                    <a:lnL w="12700" cap="flat" cmpd="sng">
+                      <a:solidFill>
+                        <a:srgbClr val="000008"/>
+                      </a:solidFill>
+                      <a:prstDash val="solid"/>
+                      <a:headEnd type="none" w="med" len="med"/>
+                      <a:tailEnd type="none" w="med" len="med"/>
+                    </a:lnL>
+                    <a:lnR w="6350" cap="flat" cmpd="sng">
+                      <a:solidFill>
+                        <a:srgbClr val="000008"/>
+                      </a:solidFill>
+                      <a:prstDash val="solid"/>
+                      <a:headEnd type="none" w="med" len="med"/>
+                      <a:tailEnd type="none" w="med" len="med"/>
+                    </a:lnR>
+                    <a:lnT w="12700" cap="flat" cmpd="sng">
+                      <a:solidFill>
+                        <a:srgbClr val="000008"/>
+                      </a:solidFill>
+                      <a:prstDash val="solid"/>
+                      <a:headEnd type="none" w="med" len="med"/>
+                      <a:tailEnd type="none" w="med" len="med"/>
+                    </a:lnT>
+                    <a:lnB w="12700" cap="flat" cmpd="sng">
+                      <a:solidFill>
+                        <a:srgbClr val="000008"/>
+                      </a:solidFill>
+                      <a:prstDash val="solid"/>
+                      <a:headEnd type="none" w="med" len="med"/>
+                      <a:tailEnd type="none" w="med" len="med"/>
+                    </a:lnB>
+                    <a:noFill/>
+                  </a:tcPr>
+                </a:tc>
+              </a:tr>
+              <a:tr h="1276985">
+                <a:tc>
+                  <a:txBody>
+                    <a:bodyPr/>
+                    <a:p>
+                      <a:pPr marL="68580" algn="l">
+                        <a:buClrTx/>
+                        <a:buSzTx/>
+                        <a:buFontTx/>
+                      </a:pPr>
+                      <a:r>
+                        <a:rPr lang="en-US" altLang="zh-CN" sz="1600" b="1">
+                          <a:latin typeface="Calibri" panose="020F0502020204030204"/>
+                          <a:ea typeface="Calibri" panose="020F0502020204030204"/>
+                        </a:rPr>
+                        <a:t>6~7周</a:t>
+                      </a:r>
+                      <a:endParaRPr lang="en-US" altLang="zh-CN" sz="1600" b="1">
+                        <a:latin typeface="Calibri" panose="020F0502020204030204"/>
+                        <a:ea typeface="Calibri" panose="020F0502020204030204"/>
+                      </a:endParaRPr>
+                    </a:p>
+                  </a:txBody>
+                  <a:tcPr marL="68580" marR="68580" marT="0" marB="0" anchor="t" anchorCtr="0">
+                    <a:lnL w="12700" cap="flat" cmpd="sng">
+                      <a:solidFill>
+                        <a:srgbClr val="000008"/>
+                      </a:solidFill>
+                      <a:prstDash val="solid"/>
+                      <a:headEnd type="none" w="med" len="med"/>
+                      <a:tailEnd type="none" w="med" len="med"/>
+                    </a:lnL>
+                    <a:lnR w="12700" cap="flat" cmpd="sng">
+                      <a:solidFill>
+                        <a:srgbClr val="000008"/>
+                      </a:solidFill>
+                      <a:prstDash val="solid"/>
+                      <a:headEnd type="none" w="med" len="med"/>
+                      <a:tailEnd type="none" w="med" len="med"/>
+                    </a:lnR>
+                    <a:lnT w="12700" cap="flat" cmpd="sng">
+                      <a:solidFill>
+                        <a:srgbClr val="000008"/>
+                      </a:solidFill>
+                      <a:prstDash val="solid"/>
+                      <a:headEnd type="none" w="med" len="med"/>
+                      <a:tailEnd type="none" w="med" len="med"/>
+                    </a:lnT>
+                    <a:lnB w="12700" cap="flat" cmpd="sng">
+                      <a:solidFill>
+                        <a:srgbClr val="000008"/>
+                      </a:solidFill>
+                      <a:prstDash val="solid"/>
+                      <a:headEnd type="none" w="med" len="med"/>
+                      <a:tailEnd type="none" w="med" len="med"/>
+                    </a:lnB>
+                    <a:noFill/>
+                  </a:tcPr>
+                </a:tc>
+                <a:tc>
+                  <a:txBody>
+                    <a:bodyPr/>
+                    <a:p>
+                      <a:pPr marL="68580" algn="l">
+                        <a:buClrTx/>
+                        <a:buSzTx/>
+                        <a:buFontTx/>
+                      </a:pPr>
+                      <a:r>
+                        <a:rPr lang="en-US" altLang="zh-CN" sz="1600" b="1">
+                          <a:latin typeface="Calibri" panose="020F0502020204030204"/>
+                          <a:ea typeface="Calibri" panose="020F0502020204030204"/>
+                        </a:rPr>
+                        <a:t>Pdf打印，下载图片，测试</a:t>
+                      </a:r>
+                      <a:endParaRPr lang="en-US" altLang="zh-CN" sz="1600" b="1">
+                        <a:latin typeface="Calibri" panose="020F0502020204030204"/>
+                        <a:ea typeface="Calibri" panose="020F0502020204030204"/>
+                      </a:endParaRPr>
+                    </a:p>
+                  </a:txBody>
+                  <a:tcPr marL="68580" marR="68580" marT="0" marB="0" anchor="t" anchorCtr="0">
+                    <a:lnL w="12700" cap="flat" cmpd="sng">
+                      <a:solidFill>
+                        <a:srgbClr val="000008"/>
+                      </a:solidFill>
+                      <a:prstDash val="solid"/>
+                      <a:headEnd type="none" w="med" len="med"/>
+                      <a:tailEnd type="none" w="med" len="med"/>
+                    </a:lnL>
+                    <a:lnR w="12700" cap="flat" cmpd="sng">
+                      <a:solidFill>
+                        <a:srgbClr val="000008"/>
+                      </a:solidFill>
+                      <a:prstDash val="solid"/>
+                      <a:headEnd type="none" w="med" len="med"/>
+                      <a:tailEnd type="none" w="med" len="med"/>
+                    </a:lnR>
+                    <a:lnT w="12700" cap="flat" cmpd="sng">
+                      <a:solidFill>
+                        <a:srgbClr val="000008"/>
+                      </a:solidFill>
+                      <a:prstDash val="solid"/>
+                      <a:headEnd type="none" w="med" len="med"/>
+                      <a:tailEnd type="none" w="med" len="med"/>
+                    </a:lnT>
+                    <a:lnB w="12700" cap="flat" cmpd="sng">
+                      <a:solidFill>
+                        <a:srgbClr val="000008"/>
+                      </a:solidFill>
+                      <a:prstDash val="solid"/>
+                      <a:headEnd type="none" w="med" len="med"/>
+                      <a:tailEnd type="none" w="med" len="med"/>
+                    </a:lnB>
+                    <a:noFill/>
+                  </a:tcPr>
+                </a:tc>
+                <a:tc>
+                  <a:txBody>
+                    <a:bodyPr/>
+                    <a:p>
+                      <a:pPr marL="68580" algn="l">
+                        <a:buClrTx/>
+                        <a:buSzTx/>
+                        <a:buFontTx/>
+                      </a:pPr>
+                      <a:r>
+                        <a:rPr lang="en-US" altLang="zh-CN" sz="1600" b="1">
+                          <a:latin typeface="Calibri" panose="020F0502020204030204"/>
+                          <a:ea typeface="Calibri" panose="020F0502020204030204"/>
+                        </a:rPr>
+                        <a:t>Vue-pdf打印合同，Vue项目-下载图片资源，Vue项目-实现表格导出EXCEL表格，测试整体完成度，功能实现，兼容性。</a:t>
+                      </a:r>
+                      <a:endParaRPr lang="en-US" altLang="zh-CN" sz="1600" b="1">
+                        <a:latin typeface="Calibri" panose="020F0502020204030204"/>
+                        <a:ea typeface="Calibri" panose="020F0502020204030204"/>
+                      </a:endParaRPr>
+                    </a:p>
+                    <a:p>
+                      <a:pPr marL="68580" algn="l">
+                        <a:buClrTx/>
+                        <a:buSzTx/>
+                        <a:buFontTx/>
+                      </a:pPr>
+                      <a:endParaRPr lang="en-US" altLang="zh-CN" sz="1600" b="1">
+                        <a:latin typeface="Calibri" panose="020F0502020204030204"/>
+                        <a:ea typeface="Calibri" panose="020F0502020204030204"/>
+                      </a:endParaRPr>
+                    </a:p>
+                  </a:txBody>
+                  <a:tcPr marL="68580" marR="68580" marT="0" marB="0" anchor="t" anchorCtr="0">
+                    <a:lnL w="12700" cap="flat" cmpd="sng">
+                      <a:solidFill>
+                        <a:srgbClr val="000008"/>
+                      </a:solidFill>
+                      <a:prstDash val="solid"/>
+                      <a:headEnd type="none" w="med" len="med"/>
+                      <a:tailEnd type="none" w="med" len="med"/>
+                    </a:lnL>
+                    <a:lnR w="6350" cap="flat" cmpd="sng">
+                      <a:solidFill>
+                        <a:srgbClr val="000008"/>
+                      </a:solidFill>
+                      <a:prstDash val="solid"/>
+                      <a:headEnd type="none" w="med" len="med"/>
+                      <a:tailEnd type="none" w="med" len="med"/>
+                    </a:lnR>
+                    <a:lnT w="12700" cap="flat" cmpd="sng">
+                      <a:solidFill>
+                        <a:srgbClr val="000008"/>
+                      </a:solidFill>
+                      <a:prstDash val="solid"/>
+                      <a:headEnd type="none" w="med" len="med"/>
+                      <a:tailEnd type="none" w="med" len="med"/>
+                    </a:lnT>
+                    <a:lnB w="12700" cap="flat" cmpd="sng">
+                      <a:solidFill>
+                        <a:srgbClr val="000008"/>
+                      </a:solidFill>
+                      <a:prstDash val="solid"/>
+                      <a:headEnd type="none" w="med" len="med"/>
+                      <a:tailEnd type="none" w="med" len="med"/>
+                    </a:lnB>
+                    <a:noFill/>
+                  </a:tcPr>
+                </a:tc>
+              </a:tr>
+            </a:tbl>
+          </a:graphicData>
+        </a:graphic>
+      </p:graphicFrame>
     </p:spTree>
   </p:cSld>
   <p:clrMapOvr>
@@ -2668,113 +3288,6 @@
 </file>
 
 <file path=ppt/slides/slide12.xml><?xml version="1.0" encoding="utf-8"?>
-<p:sld xmlns:a="http://schemas.openxmlformats.org/drawingml/2006/main" xmlns:r="http://schemas.openxmlformats.org/officeDocument/2006/relationships" xmlns:p="http://schemas.openxmlformats.org/presentationml/2006/main">
-  <p:cSld>
-    <p:spTree>
-      <p:nvGrpSpPr>
-        <p:cNvPr id="1" name=""/>
-        <p:cNvGrpSpPr/>
-        <p:nvPr/>
-      </p:nvGrpSpPr>
-      <p:grpSpPr/>
-      <p:sp>
-        <p:nvSpPr>
-          <p:cNvPr id="4" name="文本框 3"/>
-          <p:cNvSpPr txBox="1"/>
-          <p:nvPr/>
-        </p:nvSpPr>
-        <p:spPr>
-          <a:xfrm>
-            <a:off x="168275" y="330200"/>
-            <a:ext cx="4533265" cy="876300"/>
-          </a:xfrm>
-          <a:prstGeom prst="rect">
-            <a:avLst/>
-          </a:prstGeom>
-          <a:noFill/>
-        </p:spPr>
-        <p:txBody>
-          <a:bodyPr wrap="square" rtlCol="0">
-            <a:noAutofit/>
-          </a:bodyPr>
-          <a:p>
-            <a:r>
-              <a:rPr lang="zh-CN" altLang="en-US" sz="2250">
-                <a:solidFill>
-                  <a:schemeClr val="bg1"/>
-                </a:solidFill>
-                <a:latin typeface="微软雅黑" panose="020B0503020204020204" pitchFamily="34" charset="-122"/>
-                <a:ea typeface="微软雅黑" panose="020B0503020204020204" pitchFamily="34" charset="-122"/>
-                <a:cs typeface="微软雅黑" panose="020B0503020204020204" pitchFamily="34" charset="-122"/>
-              </a:rPr>
-              <a:t>第</a:t>
-            </a:r>
-            <a:r>
-              <a:rPr lang="en-US" altLang="zh-CN" sz="2250">
-                <a:solidFill>
-                  <a:schemeClr val="bg1"/>
-                </a:solidFill>
-                <a:latin typeface="微软雅黑" panose="020B0503020204020204" pitchFamily="34" charset="-122"/>
-                <a:ea typeface="微软雅黑" panose="020B0503020204020204" pitchFamily="34" charset="-122"/>
-                <a:cs typeface="微软雅黑" panose="020B0503020204020204" pitchFamily="34" charset="-122"/>
-              </a:rPr>
-              <a:t>1</a:t>
-            </a:r>
-            <a:r>
-              <a:rPr lang="zh-CN" altLang="en-US" sz="2250">
-                <a:solidFill>
-                  <a:schemeClr val="bg1"/>
-                </a:solidFill>
-                <a:latin typeface="微软雅黑" panose="020B0503020204020204" pitchFamily="34" charset="-122"/>
-                <a:ea typeface="微软雅黑" panose="020B0503020204020204" pitchFamily="34" charset="-122"/>
-                <a:cs typeface="微软雅黑" panose="020B0503020204020204" pitchFamily="34" charset="-122"/>
-              </a:rPr>
-              <a:t>周：基础架构建及测试</a:t>
-            </a:r>
-            <a:endParaRPr lang="zh-CN" altLang="en-US" sz="2250">
-              <a:solidFill>
-                <a:schemeClr val="bg1"/>
-              </a:solidFill>
-              <a:latin typeface="微软雅黑" panose="020B0503020204020204" pitchFamily="34" charset="-122"/>
-              <a:ea typeface="微软雅黑" panose="020B0503020204020204" pitchFamily="34" charset="-122"/>
-              <a:cs typeface="微软雅黑" panose="020B0503020204020204" pitchFamily="34" charset="-122"/>
-            </a:endParaRPr>
-          </a:p>
-        </p:txBody>
-      </p:sp>
-      <p:pic>
-        <p:nvPicPr>
-          <p:cNvPr id="3" name="图片 2"/>
-          <p:cNvPicPr>
-            <a:picLocks noChangeAspect="1"/>
-          </p:cNvPicPr>
-          <p:nvPr/>
-        </p:nvPicPr>
-        <p:blipFill>
-          <a:blip r:embed="rId1"/>
-          <a:stretch>
-            <a:fillRect/>
-          </a:stretch>
-        </p:blipFill>
-        <p:spPr>
-          <a:xfrm>
-            <a:off x="0" y="0"/>
-            <a:ext cx="9144635" cy="5143500"/>
-          </a:xfrm>
-          <a:prstGeom prst="rect">
-            <a:avLst/>
-          </a:prstGeom>
-        </p:spPr>
-      </p:pic>
-    </p:spTree>
-  </p:cSld>
-  <p:clrMapOvr>
-    <a:masterClrMapping/>
-  </p:clrMapOvr>
-</p:sld>
-</file>
-
-<file path=ppt/slides/slide13.xml><?xml version="1.0" encoding="utf-8"?>
 <p:sld xmlns:a="http://schemas.openxmlformats.org/drawingml/2006/main" xmlns:r="http://schemas.openxmlformats.org/officeDocument/2006/relationships" xmlns:p="http://schemas.openxmlformats.org/presentationml/2006/main">
   <p:cSld>
     <p:spTree>
@@ -2957,6 +3470,113 @@
           </a:p>
         </p:txBody>
       </p:sp>
+    </p:spTree>
+  </p:cSld>
+  <p:clrMapOvr>
+    <a:masterClrMapping/>
+  </p:clrMapOvr>
+</p:sld>
+</file>
+
+<file path=ppt/slides/slide13.xml><?xml version="1.0" encoding="utf-8"?>
+<p:sld xmlns:a="http://schemas.openxmlformats.org/drawingml/2006/main" xmlns:r="http://schemas.openxmlformats.org/officeDocument/2006/relationships" xmlns:p="http://schemas.openxmlformats.org/presentationml/2006/main">
+  <p:cSld>
+    <p:spTree>
+      <p:nvGrpSpPr>
+        <p:cNvPr id="1" name=""/>
+        <p:cNvGrpSpPr/>
+        <p:nvPr/>
+      </p:nvGrpSpPr>
+      <p:grpSpPr/>
+      <p:sp>
+        <p:nvSpPr>
+          <p:cNvPr id="4" name="文本框 3"/>
+          <p:cNvSpPr txBox="1"/>
+          <p:nvPr/>
+        </p:nvSpPr>
+        <p:spPr>
+          <a:xfrm>
+            <a:off x="168275" y="330200"/>
+            <a:ext cx="4533265" cy="876300"/>
+          </a:xfrm>
+          <a:prstGeom prst="rect">
+            <a:avLst/>
+          </a:prstGeom>
+          <a:noFill/>
+        </p:spPr>
+        <p:txBody>
+          <a:bodyPr wrap="square" rtlCol="0">
+            <a:noAutofit/>
+          </a:bodyPr>
+          <a:p>
+            <a:r>
+              <a:rPr lang="zh-CN" altLang="en-US" sz="2250">
+                <a:solidFill>
+                  <a:schemeClr val="bg1"/>
+                </a:solidFill>
+                <a:latin typeface="微软雅黑" panose="020B0503020204020204" pitchFamily="34" charset="-122"/>
+                <a:ea typeface="微软雅黑" panose="020B0503020204020204" pitchFamily="34" charset="-122"/>
+                <a:cs typeface="微软雅黑" panose="020B0503020204020204" pitchFamily="34" charset="-122"/>
+              </a:rPr>
+              <a:t>第</a:t>
+            </a:r>
+            <a:r>
+              <a:rPr lang="en-US" altLang="zh-CN" sz="2250">
+                <a:solidFill>
+                  <a:schemeClr val="bg1"/>
+                </a:solidFill>
+                <a:latin typeface="微软雅黑" panose="020B0503020204020204" pitchFamily="34" charset="-122"/>
+                <a:ea typeface="微软雅黑" panose="020B0503020204020204" pitchFamily="34" charset="-122"/>
+                <a:cs typeface="微软雅黑" panose="020B0503020204020204" pitchFamily="34" charset="-122"/>
+              </a:rPr>
+              <a:t>1</a:t>
+            </a:r>
+            <a:r>
+              <a:rPr lang="zh-CN" altLang="en-US" sz="2250">
+                <a:solidFill>
+                  <a:schemeClr val="bg1"/>
+                </a:solidFill>
+                <a:latin typeface="微软雅黑" panose="020B0503020204020204" pitchFamily="34" charset="-122"/>
+                <a:ea typeface="微软雅黑" panose="020B0503020204020204" pitchFamily="34" charset="-122"/>
+                <a:cs typeface="微软雅黑" panose="020B0503020204020204" pitchFamily="34" charset="-122"/>
+              </a:rPr>
+              <a:t>周：基础架构建及测试</a:t>
+            </a:r>
+            <a:endParaRPr lang="zh-CN" altLang="en-US" sz="2250">
+              <a:solidFill>
+                <a:schemeClr val="bg1"/>
+              </a:solidFill>
+              <a:latin typeface="微软雅黑" panose="020B0503020204020204" pitchFamily="34" charset="-122"/>
+              <a:ea typeface="微软雅黑" panose="020B0503020204020204" pitchFamily="34" charset="-122"/>
+              <a:cs typeface="微软雅黑" panose="020B0503020204020204" pitchFamily="34" charset="-122"/>
+            </a:endParaRPr>
+          </a:p>
+        </p:txBody>
+      </p:sp>
+      <p:pic>
+        <p:nvPicPr>
+          <p:cNvPr id="2" name="图片 1"/>
+          <p:cNvPicPr>
+            <a:picLocks noChangeAspect="1"/>
+          </p:cNvPicPr>
+          <p:nvPr/>
+        </p:nvPicPr>
+        <p:blipFill>
+          <a:blip r:embed="rId1"/>
+          <a:stretch>
+            <a:fillRect/>
+          </a:stretch>
+        </p:blipFill>
+        <p:spPr>
+          <a:xfrm>
+            <a:off x="563880" y="-635"/>
+            <a:ext cx="8015605" cy="5144770"/>
+          </a:xfrm>
+          <a:prstGeom prst="rect">
+            <a:avLst/>
+          </a:prstGeom>
+        </p:spPr>
+      </p:pic>
     </p:spTree>
   </p:cSld>
   <p:clrMapOvr>
@@ -3765,12 +4385,21 @@
           <a:chExt cx="0" cy="0"/>
         </a:xfrm>
       </p:grpSpPr>
-      <p:sp>
-        <p:nvSpPr>
-          <p:cNvPr id="2" name="Shape 0"/>
-          <p:cNvSpPr/>
-          <p:nvPr/>
-        </p:nvSpPr>
+      <p:pic>
+        <p:nvPicPr>
+          <p:cNvPr id="2" name="Image 0" descr="preencoded.png"/>
+          <p:cNvPicPr>
+            <a:picLocks noChangeAspect="1"/>
+          </p:cNvPicPr>
+          <p:nvPr/>
+        </p:nvPicPr>
+        <p:blipFill>
+          <a:blip r:embed="rId1"/>
+          <a:srcRect/>
+          <a:stretch>
+            <a:fillRect/>
+          </a:stretch>
+        </p:blipFill>
         <p:spPr>
           <a:xfrm>
             <a:off x="0" y="0"/>
@@ -3779,27 +4408,18 @@
           <a:prstGeom prst="rect">
             <a:avLst/>
           </a:prstGeom>
-          <a:solidFill>
-            <a:srgbClr val="FFFFFF"/>
-          </a:solidFill>
-        </p:spPr>
-        <p:txBody>
-          <a:bodyPr/>
-          <a:p>
-            <a:endParaRPr lang="zh-CN" altLang="en-US"/>
-          </a:p>
-        </p:txBody>
-      </p:sp>
-      <p:sp>
-        <p:nvSpPr>
-          <p:cNvPr id="3" name="Text 1"/>
+        </p:spPr>
+      </p:pic>
+      <p:sp>
+        <p:nvSpPr>
+          <p:cNvPr id="3" name="Text 0"/>
           <p:cNvSpPr/>
           <p:nvPr/>
         </p:nvSpPr>
         <p:spPr>
           <a:xfrm>
-            <a:off x="4803775" y="571500"/>
-            <a:ext cx="3768725" cy="1218565"/>
+            <a:off x="571500" y="1828800"/>
+            <a:ext cx="8001000" cy="857250"/>
           </a:xfrm>
           <a:prstGeom prst="rect">
             <a:avLst/>
@@ -3810,37 +4430,37 @@
           <a:bodyPr vert="horz" wrap="square" lIns="0" tIns="0" rIns="0" bIns="0" rtlCol="0" anchor="ctr"/>
           <a:lstStyle/>
           <a:p>
-            <a:pPr marL="0" indent="0" algn="l">
+            <a:pPr marL="0" indent="0" algn="ctr">
               <a:lnSpc>
-                <a:spcPts val="4200"/>
+                <a:spcPts val="6750"/>
               </a:lnSpc>
               <a:buNone/>
             </a:pPr>
             <a:r>
-              <a:rPr lang="en-US" sz="3000" b="1" dirty="0">
+              <a:rPr lang="en-US" sz="4690" b="1" dirty="0">
                 <a:solidFill>
-                  <a:srgbClr val="000000"/>
+                  <a:srgbClr val="FFFFFF"/>
                 </a:solidFill>
                 <a:latin typeface="微软雅黑" panose="020B0503020204020204" pitchFamily="34" charset="-122"/>
                 <a:ea typeface="微软雅黑" panose="020B0503020204020204" pitchFamily="34" charset="-122"/>
                 <a:cs typeface="微软雅黑" panose="020B0503020204020204" pitchFamily="34" charset="-120"/>
               </a:rPr>
-              <a:t>参考文档清单</a:t>
-            </a:r>
-            <a:endParaRPr lang="en-US" sz="3000" dirty="0"/>
-          </a:p>
-        </p:txBody>
-      </p:sp>
-      <p:sp>
-        <p:nvSpPr>
-          <p:cNvPr id="4" name="Text 2"/>
+              <a:t>THANKS</a:t>
+            </a:r>
+            <a:endParaRPr lang="en-US" sz="4690" dirty="0"/>
+          </a:p>
+        </p:txBody>
+      </p:sp>
+      <p:sp>
+        <p:nvSpPr>
+          <p:cNvPr id="4" name="Text 1"/>
           <p:cNvSpPr/>
           <p:nvPr/>
         </p:nvSpPr>
         <p:spPr>
           <a:xfrm>
-            <a:off x="5905500" y="1162050"/>
-            <a:ext cx="2667000" cy="266700"/>
+            <a:off x="571500" y="4543425"/>
+            <a:ext cx="8001000" cy="219075"/>
           </a:xfrm>
           <a:prstGeom prst="rect">
             <a:avLst/>
@@ -3851,488 +4471,13 @@
           <a:bodyPr vert="horz" wrap="square" lIns="0" tIns="0" rIns="0" bIns="0" rtlCol="0" anchor="ctr"/>
           <a:lstStyle/>
           <a:p>
-            <a:pPr marL="0" indent="0" algn="l">
+            <a:pPr marL="0" indent="0" algn="ctr">
               <a:lnSpc>
-                <a:spcPts val="2100"/>
+                <a:spcPts val="1725"/>
               </a:lnSpc>
               <a:buNone/>
             </a:pPr>
-            <a:endParaRPr lang="en-US" sz="1500" dirty="0"/>
-          </a:p>
-        </p:txBody>
-      </p:sp>
-      <p:sp>
-        <p:nvSpPr>
-          <p:cNvPr id="5" name="Shape 3"/>
-          <p:cNvSpPr/>
-          <p:nvPr>
-            <p:custDataLst>
-              <p:tags r:id="rId1"/>
-            </p:custDataLst>
-          </p:nvPr>
-        </p:nvSpPr>
-        <p:spPr>
-          <a:xfrm>
-            <a:off x="571500" y="571500"/>
-            <a:ext cx="2381250" cy="1047750"/>
-          </a:xfrm>
-          <a:prstGeom prst="roundRect">
-            <a:avLst>
-              <a:gd name="adj" fmla="val 10910"/>
-            </a:avLst>
-          </a:prstGeom>
-          <a:solidFill>
-            <a:srgbClr val="F2A228">
-              <a:alpha val="20000"/>
-            </a:srgbClr>
-          </a:solidFill>
-        </p:spPr>
-      </p:sp>
-      <p:sp>
-        <p:nvSpPr>
-          <p:cNvPr id="6" name="Text 4"/>
-          <p:cNvSpPr/>
-          <p:nvPr>
-            <p:custDataLst>
-              <p:tags r:id="rId2"/>
-            </p:custDataLst>
-          </p:nvPr>
-        </p:nvSpPr>
-        <p:spPr>
-          <a:xfrm>
-            <a:off x="762000" y="762000"/>
-            <a:ext cx="2000250" cy="209550"/>
-          </a:xfrm>
-          <a:prstGeom prst="rect">
-            <a:avLst/>
-          </a:prstGeom>
-          <a:noFill/>
-        </p:spPr>
-        <p:txBody>
-          <a:bodyPr vert="horz" wrap="square" lIns="0" tIns="0" rIns="0" bIns="0" rtlCol="0" anchor="ctr"/>
-          <a:lstStyle/>
-          <a:p>
-            <a:pPr marL="0" indent="0" algn="l">
-              <a:lnSpc>
-                <a:spcPts val="1650"/>
-              </a:lnSpc>
-              <a:buNone/>
-            </a:pPr>
-            <a:r>
-              <a:rPr lang="en-US" sz="1400" b="1" dirty="0">
-                <a:solidFill>
-                  <a:srgbClr val="000000"/>
-                </a:solidFill>
-                <a:latin typeface="微软雅黑" panose="020B0503020204020204" pitchFamily="34" charset="-122"/>
-                <a:ea typeface="微软雅黑" panose="020B0503020204020204" pitchFamily="34" charset="-122"/>
-                <a:cs typeface="微软雅黑" panose="020B0503020204020204" pitchFamily="34" charset="-120"/>
-              </a:rPr>
-              <a:t>前端框架文档</a:t>
-            </a:r>
-            <a:endParaRPr lang="en-US" sz="1400" b="1" dirty="0">
-              <a:solidFill>
-                <a:srgbClr val="000000"/>
-              </a:solidFill>
-              <a:latin typeface="微软雅黑" panose="020B0503020204020204" pitchFamily="34" charset="-122"/>
-              <a:ea typeface="微软雅黑" panose="020B0503020204020204" pitchFamily="34" charset="-122"/>
-              <a:cs typeface="微软雅黑" panose="020B0503020204020204" pitchFamily="34" charset="-120"/>
-            </a:endParaRPr>
-          </a:p>
-        </p:txBody>
-      </p:sp>
-      <p:sp>
-        <p:nvSpPr>
-          <p:cNvPr id="7" name="Text 5"/>
-          <p:cNvSpPr/>
-          <p:nvPr>
-            <p:custDataLst>
-              <p:tags r:id="rId3"/>
-            </p:custDataLst>
-          </p:nvPr>
-        </p:nvSpPr>
-        <p:spPr>
-          <a:xfrm>
-            <a:off x="762000" y="1047750"/>
-            <a:ext cx="2000250" cy="381000"/>
-          </a:xfrm>
-          <a:prstGeom prst="rect">
-            <a:avLst/>
-          </a:prstGeom>
-          <a:noFill/>
-        </p:spPr>
-        <p:txBody>
-          <a:bodyPr vert="horz" wrap="square" lIns="0" tIns="0" rIns="0" bIns="0" rtlCol="0" anchor="ctr"/>
-          <a:lstStyle/>
-          <a:p>
-            <a:pPr marL="0" indent="0" algn="l">
-              <a:lnSpc>
-                <a:spcPts val="1500"/>
-              </a:lnSpc>
-              <a:buNone/>
-            </a:pPr>
-            <a:r>
-              <a:rPr lang="en-US" sz="1200" dirty="0">
-                <a:solidFill>
-                  <a:srgbClr val="000000"/>
-                </a:solidFill>
-                <a:latin typeface="微软雅黑" panose="020B0503020204020204" pitchFamily="34" charset="-122"/>
-                <a:ea typeface="微软雅黑" panose="020B0503020204020204" pitchFamily="34" charset="-122"/>
-                <a:cs typeface="微软雅黑" panose="020B0503020204020204" pitchFamily="34" charset="-120"/>
-              </a:rPr>
-              <a:t>Vue官方文档，提供详细的API说明和最佳实践指导。</a:t>
-            </a:r>
-            <a:endParaRPr lang="en-US" sz="1200" dirty="0">
-              <a:solidFill>
-                <a:srgbClr val="000000"/>
-              </a:solidFill>
-              <a:latin typeface="微软雅黑" panose="020B0503020204020204" pitchFamily="34" charset="-122"/>
-              <a:ea typeface="微软雅黑" panose="020B0503020204020204" pitchFamily="34" charset="-122"/>
-              <a:cs typeface="微软雅黑" panose="020B0503020204020204" pitchFamily="34" charset="-120"/>
-            </a:endParaRPr>
-          </a:p>
-        </p:txBody>
-      </p:sp>
-      <p:sp>
-        <p:nvSpPr>
-          <p:cNvPr id="8" name="Shape 6"/>
-          <p:cNvSpPr/>
-          <p:nvPr>
-            <p:custDataLst>
-              <p:tags r:id="rId4"/>
-            </p:custDataLst>
-          </p:nvPr>
-        </p:nvSpPr>
-        <p:spPr>
-          <a:xfrm>
-            <a:off x="571500" y="3238500"/>
-            <a:ext cx="2381250" cy="1047750"/>
-          </a:xfrm>
-          <a:prstGeom prst="roundRect">
-            <a:avLst>
-              <a:gd name="adj" fmla="val 10910"/>
-            </a:avLst>
-          </a:prstGeom>
-          <a:solidFill>
-            <a:srgbClr val="F2A228">
-              <a:alpha val="20000"/>
-            </a:srgbClr>
-          </a:solidFill>
-        </p:spPr>
-      </p:sp>
-      <p:sp>
-        <p:nvSpPr>
-          <p:cNvPr id="9" name="Text 7"/>
-          <p:cNvSpPr/>
-          <p:nvPr>
-            <p:custDataLst>
-              <p:tags r:id="rId5"/>
-            </p:custDataLst>
-          </p:nvPr>
-        </p:nvSpPr>
-        <p:spPr>
-          <a:xfrm>
-            <a:off x="3429000" y="838200"/>
-            <a:ext cx="2000250" cy="209550"/>
-          </a:xfrm>
-          <a:prstGeom prst="rect">
-            <a:avLst/>
-          </a:prstGeom>
-          <a:noFill/>
-        </p:spPr>
-        <p:txBody>
-          <a:bodyPr vert="horz" wrap="square" lIns="0" tIns="0" rIns="0" bIns="0" rtlCol="0" anchor="ctr"/>
-          <a:lstStyle/>
-          <a:p>
-            <a:pPr marL="0" indent="0" algn="l">
-              <a:lnSpc>
-                <a:spcPts val="1650"/>
-              </a:lnSpc>
-              <a:buNone/>
-            </a:pPr>
-            <a:endParaRPr lang="en-US" sz="1125" dirty="0"/>
-          </a:p>
-        </p:txBody>
-      </p:sp>
-      <p:sp>
-        <p:nvSpPr>
-          <p:cNvPr id="10" name="Text 8"/>
-          <p:cNvSpPr/>
-          <p:nvPr>
-            <p:custDataLst>
-              <p:tags r:id="rId6"/>
-            </p:custDataLst>
-          </p:nvPr>
-        </p:nvSpPr>
-        <p:spPr>
-          <a:xfrm>
-            <a:off x="3333750" y="1047750"/>
-            <a:ext cx="2000250" cy="381000"/>
-          </a:xfrm>
-          <a:prstGeom prst="rect">
-            <a:avLst/>
-          </a:prstGeom>
-          <a:noFill/>
-        </p:spPr>
-        <p:txBody>
-          <a:bodyPr vert="horz" wrap="square" lIns="0" tIns="0" rIns="0" bIns="0" rtlCol="0" anchor="ctr"/>
-          <a:lstStyle/>
-          <a:p>
-            <a:pPr marL="0" indent="0" algn="l">
-              <a:lnSpc>
-                <a:spcPts val="1500"/>
-              </a:lnSpc>
-              <a:buNone/>
-            </a:pPr>
-            <a:endParaRPr lang="en-US" sz="900" dirty="0"/>
-          </a:p>
-        </p:txBody>
-      </p:sp>
-      <p:sp>
-        <p:nvSpPr>
-          <p:cNvPr id="11" name="Shape 9"/>
-          <p:cNvSpPr/>
-          <p:nvPr>
-            <p:custDataLst>
-              <p:tags r:id="rId7"/>
-            </p:custDataLst>
-          </p:nvPr>
-        </p:nvSpPr>
-        <p:spPr>
-          <a:xfrm>
-            <a:off x="571500" y="1809750"/>
-            <a:ext cx="2381250" cy="1047750"/>
-          </a:xfrm>
-          <a:prstGeom prst="roundRect">
-            <a:avLst>
-              <a:gd name="adj" fmla="val 10910"/>
-            </a:avLst>
-          </a:prstGeom>
-          <a:solidFill>
-            <a:srgbClr val="F2A228">
-              <a:alpha val="20000"/>
-            </a:srgbClr>
-          </a:solidFill>
-        </p:spPr>
-      </p:sp>
-      <p:sp>
-        <p:nvSpPr>
-          <p:cNvPr id="12" name="Text 10"/>
-          <p:cNvSpPr/>
-          <p:nvPr>
-            <p:custDataLst>
-              <p:tags r:id="rId8"/>
-            </p:custDataLst>
-          </p:nvPr>
-        </p:nvSpPr>
-        <p:spPr>
-          <a:xfrm>
-            <a:off x="762000" y="2000250"/>
-            <a:ext cx="2000250" cy="209550"/>
-          </a:xfrm>
-          <a:prstGeom prst="rect">
-            <a:avLst/>
-          </a:prstGeom>
-          <a:noFill/>
-        </p:spPr>
-        <p:txBody>
-          <a:bodyPr vert="horz" wrap="square" lIns="0" tIns="0" rIns="0" bIns="0" rtlCol="0" anchor="ctr"/>
-          <a:lstStyle/>
-          <a:p>
-            <a:pPr marL="0" indent="0" algn="l">
-              <a:lnSpc>
-                <a:spcPts val="1650"/>
-              </a:lnSpc>
-              <a:buNone/>
-            </a:pPr>
-            <a:r>
-              <a:rPr lang="en-US" sz="1400" b="1" dirty="0">
-                <a:solidFill>
-                  <a:srgbClr val="000000"/>
-                </a:solidFill>
-                <a:latin typeface="微软雅黑" panose="020B0503020204020204" pitchFamily="34" charset="-122"/>
-                <a:ea typeface="微软雅黑" panose="020B0503020204020204" pitchFamily="34" charset="-122"/>
-                <a:cs typeface="微软雅黑" panose="020B0503020204020204" pitchFamily="34" charset="-120"/>
-                <a:sym typeface="+mn-ea"/>
-              </a:rPr>
-              <a:t>UI组件库</a:t>
-            </a:r>
-            <a:endParaRPr lang="en-US" sz="1400" b="1" dirty="0">
-              <a:solidFill>
-                <a:srgbClr val="000000"/>
-              </a:solidFill>
-              <a:latin typeface="微软雅黑" panose="020B0503020204020204" pitchFamily="34" charset="-122"/>
-              <a:ea typeface="微软雅黑" panose="020B0503020204020204" pitchFamily="34" charset="-122"/>
-              <a:cs typeface="微软雅黑" panose="020B0503020204020204" pitchFamily="34" charset="-120"/>
-              <a:sym typeface="+mn-ea"/>
-            </a:endParaRPr>
-          </a:p>
-        </p:txBody>
-      </p:sp>
-      <p:sp>
-        <p:nvSpPr>
-          <p:cNvPr id="13" name="Text 11"/>
-          <p:cNvSpPr/>
-          <p:nvPr>
-            <p:custDataLst>
-              <p:tags r:id="rId9"/>
-            </p:custDataLst>
-          </p:nvPr>
-        </p:nvSpPr>
-        <p:spPr>
-          <a:xfrm>
-            <a:off x="762000" y="2286000"/>
-            <a:ext cx="2000250" cy="381000"/>
-          </a:xfrm>
-          <a:prstGeom prst="rect">
-            <a:avLst/>
-          </a:prstGeom>
-          <a:noFill/>
-        </p:spPr>
-        <p:txBody>
-          <a:bodyPr vert="horz" wrap="square" lIns="0" tIns="0" rIns="0" bIns="0" rtlCol="0" anchor="ctr"/>
-          <a:lstStyle/>
-          <a:p>
-            <a:pPr marL="0" indent="0" algn="l">
-              <a:lnSpc>
-                <a:spcPts val="1500"/>
-              </a:lnSpc>
-              <a:buNone/>
-            </a:pPr>
-            <a:endParaRPr lang="en-US" sz="900" dirty="0"/>
-          </a:p>
-        </p:txBody>
-      </p:sp>
-      <p:sp>
-        <p:nvSpPr>
-          <p:cNvPr id="14" name="文本框 13"/>
-          <p:cNvSpPr txBox="1"/>
-          <p:nvPr/>
-        </p:nvSpPr>
-        <p:spPr>
-          <a:xfrm>
-            <a:off x="762635" y="3749040"/>
-            <a:ext cx="2190115" cy="523240"/>
-          </a:xfrm>
-          <a:prstGeom prst="rect">
-            <a:avLst/>
-          </a:prstGeom>
-          <a:noFill/>
-        </p:spPr>
-        <p:txBody>
-          <a:bodyPr wrap="square" rtlCol="0">
-            <a:noAutofit/>
-          </a:bodyPr>
-          <a:p>
-            <a:r>
-              <a:rPr lang="en-US" sz="1200" dirty="0">
-                <a:solidFill>
-                  <a:srgbClr val="000000"/>
-                </a:solidFill>
-                <a:latin typeface="微软雅黑" panose="020B0503020204020204" pitchFamily="34" charset="-122"/>
-                <a:ea typeface="微软雅黑" panose="020B0503020204020204" pitchFamily="34" charset="-122"/>
-                <a:cs typeface="微软雅黑" panose="020B0503020204020204" pitchFamily="34" charset="-122"/>
-                <a:sym typeface="+mn-ea"/>
-              </a:rPr>
-              <a:t>Vue官方风格指南，确保代码质量和一致性。</a:t>
-            </a:r>
-            <a:endParaRPr lang="en-US" sz="1200" dirty="0">
-              <a:latin typeface="微软雅黑" panose="020B0503020204020204" pitchFamily="34" charset="-122"/>
-              <a:ea typeface="微软雅黑" panose="020B0503020204020204" pitchFamily="34" charset="-122"/>
-              <a:cs typeface="微软雅黑" panose="020B0503020204020204" pitchFamily="34" charset="-122"/>
-            </a:endParaRPr>
-          </a:p>
-          <a:p>
-            <a:endParaRPr lang="en-US" altLang="en-US" sz="1200" dirty="0">
-              <a:latin typeface="微软雅黑" panose="020B0503020204020204" pitchFamily="34" charset="-122"/>
-              <a:ea typeface="微软雅黑" panose="020B0503020204020204" pitchFamily="34" charset="-122"/>
-              <a:cs typeface="微软雅黑" panose="020B0503020204020204" pitchFamily="34" charset="-122"/>
-            </a:endParaRPr>
-          </a:p>
-        </p:txBody>
-      </p:sp>
-      <p:sp>
-        <p:nvSpPr>
-          <p:cNvPr id="15" name="文本框 14"/>
-          <p:cNvSpPr txBox="1"/>
-          <p:nvPr/>
-        </p:nvSpPr>
-        <p:spPr>
-          <a:xfrm>
-            <a:off x="775970" y="3420745"/>
-            <a:ext cx="1986280" cy="521970"/>
-          </a:xfrm>
-          <a:prstGeom prst="rect">
-            <a:avLst/>
-          </a:prstGeom>
-          <a:noFill/>
-        </p:spPr>
-        <p:txBody>
-          <a:bodyPr wrap="square" rtlCol="0">
-            <a:spAutoFit/>
-          </a:bodyPr>
-          <a:p>
-            <a:r>
-              <a:rPr lang="en-US" sz="1400" b="1" dirty="0">
-                <a:solidFill>
-                  <a:srgbClr val="000000"/>
-                </a:solidFill>
-                <a:latin typeface="微软雅黑" panose="020B0503020204020204" pitchFamily="34" charset="-122"/>
-                <a:ea typeface="微软雅黑" panose="020B0503020204020204" pitchFamily="34" charset="-122"/>
-                <a:cs typeface="微软雅黑" panose="020B0503020204020204" pitchFamily="34" charset="-120"/>
-                <a:sym typeface="+mn-ea"/>
-              </a:rPr>
-              <a:t>编码规范</a:t>
-            </a:r>
-            <a:endParaRPr lang="en-US" sz="1400" dirty="0">
-              <a:latin typeface="微软雅黑" panose="020B0503020204020204" pitchFamily="34" charset="-122"/>
-              <a:ea typeface="微软雅黑" panose="020B0503020204020204" pitchFamily="34" charset="-122"/>
-            </a:endParaRPr>
-          </a:p>
-          <a:p>
-            <a:endParaRPr lang="en-US" altLang="en-US" sz="1400" dirty="0">
-              <a:latin typeface="微软雅黑" panose="020B0503020204020204" pitchFamily="34" charset="-122"/>
-              <a:ea typeface="微软雅黑" panose="020B0503020204020204" pitchFamily="34" charset="-122"/>
-            </a:endParaRPr>
-          </a:p>
-        </p:txBody>
-      </p:sp>
-      <p:sp>
-        <p:nvSpPr>
-          <p:cNvPr id="17" name="文本框 16"/>
-          <p:cNvSpPr txBox="1"/>
-          <p:nvPr/>
-        </p:nvSpPr>
-        <p:spPr>
-          <a:xfrm>
-            <a:off x="633730" y="2319020"/>
-            <a:ext cx="2319020" cy="645160"/>
-          </a:xfrm>
-          <a:prstGeom prst="rect">
-            <a:avLst/>
-          </a:prstGeom>
-          <a:noFill/>
-        </p:spPr>
-        <p:txBody>
-          <a:bodyPr wrap="square" rtlCol="0">
-            <a:spAutoFit/>
-          </a:bodyPr>
-          <a:p>
-            <a:r>
-              <a:rPr lang="en-US" sz="1200" dirty="0">
-                <a:solidFill>
-                  <a:srgbClr val="000000"/>
-                </a:solidFill>
-                <a:latin typeface="微软雅黑" panose="020B0503020204020204" pitchFamily="34" charset="-122"/>
-                <a:ea typeface="微软雅黑" panose="020B0503020204020204" pitchFamily="34" charset="-122"/>
-                <a:cs typeface="微软雅黑" panose="020B0503020204020204" pitchFamily="34" charset="-120"/>
-                <a:sym typeface="+mn-ea"/>
-              </a:rPr>
-              <a:t>Element-UI组件文档，涵盖所有组件的使用方法和示例代码。</a:t>
-            </a:r>
             <a:endParaRPr lang="en-US" sz="1200" dirty="0"/>
-          </a:p>
-          <a:p>
-            <a:endParaRPr lang="en-US" altLang="en-US" sz="1200" dirty="0"/>
           </a:p>
         </p:txBody>
       </p:sp>
@@ -5273,127 +5418,6 @@
 </p:sld>
 </file>
 
-<file path=ppt/slides/slide20.xml><?xml version="1.0" encoding="utf-8"?>
-<p:sld xmlns:a="http://schemas.openxmlformats.org/drawingml/2006/main" xmlns:r="http://schemas.openxmlformats.org/officeDocument/2006/relationships" xmlns:p="http://schemas.openxmlformats.org/presentationml/2006/main">
-  <p:cSld>
-    <p:spTree>
-      <p:nvGrpSpPr>
-        <p:cNvPr id="1" name=""/>
-        <p:cNvGrpSpPr/>
-        <p:nvPr/>
-      </p:nvGrpSpPr>
-      <p:grpSpPr>
-        <a:xfrm>
-          <a:off x="0" y="0"/>
-          <a:ext cx="0" cy="0"/>
-          <a:chOff x="0" y="0"/>
-          <a:chExt cx="0" cy="0"/>
-        </a:xfrm>
-      </p:grpSpPr>
-      <p:pic>
-        <p:nvPicPr>
-          <p:cNvPr id="2" name="Image 0" descr="preencoded.png"/>
-          <p:cNvPicPr>
-            <a:picLocks noChangeAspect="1"/>
-          </p:cNvPicPr>
-          <p:nvPr/>
-        </p:nvPicPr>
-        <p:blipFill>
-          <a:blip r:embed="rId1"/>
-          <a:srcRect/>
-          <a:stretch>
-            <a:fillRect/>
-          </a:stretch>
-        </p:blipFill>
-        <p:spPr>
-          <a:xfrm>
-            <a:off x="0" y="0"/>
-            <a:ext cx="9144000" cy="5143500"/>
-          </a:xfrm>
-          <a:prstGeom prst="rect">
-            <a:avLst/>
-          </a:prstGeom>
-        </p:spPr>
-      </p:pic>
-      <p:sp>
-        <p:nvSpPr>
-          <p:cNvPr id="3" name="Text 0"/>
-          <p:cNvSpPr/>
-          <p:nvPr/>
-        </p:nvSpPr>
-        <p:spPr>
-          <a:xfrm>
-            <a:off x="571500" y="1828800"/>
-            <a:ext cx="8001000" cy="857250"/>
-          </a:xfrm>
-          <a:prstGeom prst="rect">
-            <a:avLst/>
-          </a:prstGeom>
-          <a:noFill/>
-        </p:spPr>
-        <p:txBody>
-          <a:bodyPr vert="horz" wrap="square" lIns="0" tIns="0" rIns="0" bIns="0" rtlCol="0" anchor="ctr"/>
-          <a:lstStyle/>
-          <a:p>
-            <a:pPr marL="0" indent="0" algn="ctr">
-              <a:lnSpc>
-                <a:spcPts val="6750"/>
-              </a:lnSpc>
-              <a:buNone/>
-            </a:pPr>
-            <a:r>
-              <a:rPr lang="en-US" sz="4690" b="1" dirty="0">
-                <a:solidFill>
-                  <a:srgbClr val="FFFFFF"/>
-                </a:solidFill>
-                <a:latin typeface="微软雅黑" panose="020B0503020204020204" pitchFamily="34" charset="-122"/>
-                <a:ea typeface="微软雅黑" panose="020B0503020204020204" pitchFamily="34" charset="-122"/>
-                <a:cs typeface="微软雅黑" panose="020B0503020204020204" pitchFamily="34" charset="-120"/>
-              </a:rPr>
-              <a:t>THANKS</a:t>
-            </a:r>
-            <a:endParaRPr lang="en-US" sz="4690" dirty="0"/>
-          </a:p>
-        </p:txBody>
-      </p:sp>
-      <p:sp>
-        <p:nvSpPr>
-          <p:cNvPr id="4" name="Text 1"/>
-          <p:cNvSpPr/>
-          <p:nvPr/>
-        </p:nvSpPr>
-        <p:spPr>
-          <a:xfrm>
-            <a:off x="571500" y="4543425"/>
-            <a:ext cx="8001000" cy="219075"/>
-          </a:xfrm>
-          <a:prstGeom prst="rect">
-            <a:avLst/>
-          </a:prstGeom>
-          <a:noFill/>
-        </p:spPr>
-        <p:txBody>
-          <a:bodyPr vert="horz" wrap="square" lIns="0" tIns="0" rIns="0" bIns="0" rtlCol="0" anchor="ctr"/>
-          <a:lstStyle/>
-          <a:p>
-            <a:pPr marL="0" indent="0" algn="ctr">
-              <a:lnSpc>
-                <a:spcPts val="1725"/>
-              </a:lnSpc>
-              <a:buNone/>
-            </a:pPr>
-            <a:endParaRPr lang="en-US" sz="1200" dirty="0"/>
-          </a:p>
-        </p:txBody>
-      </p:sp>
-    </p:spTree>
-  </p:cSld>
-  <p:clrMapOvr>
-    <a:masterClrMapping/>
-  </p:clrMapOvr>
-</p:sld>
-</file>
-
 <file path=ppt/slides/slide3.xml><?xml version="1.0" encoding="utf-8"?>
 <p:sld xmlns:a="http://schemas.openxmlformats.org/drawingml/2006/main" xmlns:r="http://schemas.openxmlformats.org/officeDocument/2006/relationships" xmlns:p="http://schemas.openxmlformats.org/presentationml/2006/main">
   <p:cSld>
@@ -6897,7 +6921,11 @@
               <a:rPr dirty="0"/>
               <a:t>上传图片实现</a:t>
             </a:r>
-            <a:endParaRPr dirty="0"/>
+            <a:r>
+              <a:rPr lang="zh-CN" dirty="0"/>
+              <a:t>，富文本编译器</a:t>
+            </a:r>
+            <a:endParaRPr lang="zh-CN" dirty="0"/>
           </a:p>
           <a:p>
             <a:pPr marL="0" algn="l">
@@ -6911,7 +6939,83 @@
             </a:pPr>
             <a:r>
               <a:rPr dirty="0"/>
-              <a:t>   技术：Element-ui表格组件、树形控件、阿里云OSS图片上传。</a:t>
+              <a:t> 商品添加</a:t>
+            </a:r>
+            <a:r>
+              <a:rPr lang="zh-CN" dirty="0"/>
+              <a:t>，</a:t>
+            </a:r>
+            <a:r>
+              <a:rPr dirty="0"/>
+              <a:t>清空表单</a:t>
+            </a:r>
+            <a:endParaRPr dirty="0"/>
+          </a:p>
+          <a:p>
+            <a:pPr marL="0" algn="l">
+              <a:lnSpc>
+                <a:spcPts val="2550"/>
+              </a:lnSpc>
+              <a:buClrTx/>
+              <a:buSzTx/>
+              <a:buFontTx/>
+              <a:buNone/>
+            </a:pPr>
+            <a:r>
+              <a:rPr dirty="0"/>
+              <a:t>删除商品</a:t>
+            </a:r>
+            <a:r>
+              <a:rPr lang="zh-CN" dirty="0"/>
+              <a:t>，</a:t>
+            </a:r>
+            <a:r>
+              <a:rPr dirty="0"/>
+              <a:t>编辑商品</a:t>
+            </a:r>
+            <a:endParaRPr dirty="0"/>
+          </a:p>
+          <a:p>
+            <a:pPr marL="0" algn="l">
+              <a:lnSpc>
+                <a:spcPts val="2550"/>
+              </a:lnSpc>
+              <a:buClrTx/>
+              <a:buSzTx/>
+              <a:buFontTx/>
+              <a:buNone/>
+            </a:pPr>
+            <a:r>
+              <a:rPr dirty="0"/>
+              <a:t>   技术：Element-ui表格组件、</a:t>
+            </a:r>
+            <a:r>
+              <a:rPr lang="en-US" dirty="0"/>
+              <a:t>vue</a:t>
+            </a:r>
+            <a:r>
+              <a:rPr dirty="0"/>
+              <a:t>、</a:t>
+            </a:r>
+            <a:r>
+              <a:rPr lang="en-US" dirty="0"/>
+              <a:t>mysql</a:t>
+            </a:r>
+            <a:r>
+              <a:rPr lang="zh-CN" altLang="en-US" dirty="0"/>
+              <a:t>，</a:t>
+            </a:r>
+            <a:r>
+              <a:rPr lang="en-US" altLang="zh-CN" dirty="0"/>
+              <a:t>axios</a:t>
+            </a:r>
+            <a:r>
+              <a:rPr lang="en-US" dirty="0"/>
+              <a:t>,wangEditor，multer</a:t>
+            </a:r>
+            <a:r>
+              <a:rPr dirty="0"/>
+              <a:t>。</a:t>
             </a:r>
             <a:endParaRPr dirty="0"/>
           </a:p>
@@ -7173,21 +7277,20 @@
                 <a:latin typeface="+mn-ea"/>
                 <a:cs typeface="+mn-ea"/>
               </a:rPr>
-              <a:t>（通过查询资料，询问</a:t>
-            </a:r>
-            <a:r>
-              <a:rPr lang="en-US" altLang="zh-CN" b="1">
-                <a:latin typeface="+mn-ea"/>
-                <a:cs typeface="+mn-ea"/>
-              </a:rPr>
-              <a:t>ai</a:t>
-            </a:r>
+              <a:t>原因：用接口不同和统一每个人本地数据库的信息不一致。</a:t>
+            </a:r>
+            <a:endParaRPr lang="zh-CN" altLang="en-US" b="1">
+              <a:latin typeface="+mn-ea"/>
+              <a:cs typeface="+mn-ea"/>
+            </a:endParaRPr>
+          </a:p>
+          <a:p>
             <a:r>
               <a:rPr lang="zh-CN" altLang="en-US" b="1">
                 <a:latin typeface="+mn-ea"/>
                 <a:cs typeface="+mn-ea"/>
               </a:rPr>
-              <a:t>，已经得到解决）</a:t>
+              <a:t>解决：统一数据库信息。</a:t>
             </a:r>
             <a:endParaRPr lang="zh-CN" altLang="en-US" b="1">
               <a:latin typeface="+mn-ea"/>
@@ -7200,20 +7303,50 @@
                 <a:latin typeface="+mn-ea"/>
                 <a:cs typeface="+mn-ea"/>
               </a:rPr>
-              <a:t>2. 测试不足 </a:t>
-            </a:r>
-            <a:r>
-              <a:rPr lang="zh-CN" altLang="en-US">
-                <a:latin typeface="华文行楷" panose="02010800040101010101" charset="-122"/>
-                <a:ea typeface="华文行楷" panose="02010800040101010101" charset="-122"/>
-                <a:cs typeface="华文行楷" panose="02010800040101010101" charset="-122"/>
+              <a:t>2.商品无法正确添加，数据库内不写入数据</a:t>
+            </a:r>
+            <a:endParaRPr lang="zh-CN" altLang="en-US" b="1">
+              <a:latin typeface="+mn-ea"/>
+              <a:cs typeface="+mn-ea"/>
+            </a:endParaRPr>
+          </a:p>
+          <a:p>
+            <a:r>
+              <a:rPr lang="zh-CN" altLang="en-US" b="1">
+                <a:latin typeface="+mn-ea"/>
+                <a:cs typeface="+mn-ea"/>
               </a:rPr>
-              <a:t>。</a:t>
-            </a:r>
-            <a:endParaRPr lang="zh-CN" altLang="en-US">
-              <a:latin typeface="华文行楷" panose="02010800040101010101" charset="-122"/>
-              <a:ea typeface="华文行楷" panose="02010800040101010101" charset="-122"/>
-              <a:cs typeface="华文行楷" panose="02010800040101010101" charset="-122"/>
+              <a:t>原因：实际表结构与代码不一致，会导致数据错位，需要验证字段顺序和表结构是否一致需要调整SQL和参数数组</a:t>
+            </a:r>
+            <a:endParaRPr lang="zh-CN" altLang="en-US" b="1">
+              <a:latin typeface="+mn-ea"/>
+              <a:cs typeface="+mn-ea"/>
+            </a:endParaRPr>
+          </a:p>
+          <a:p>
+            <a:r>
+              <a:rPr lang="zh-CN" altLang="en-US" b="1">
+                <a:latin typeface="+mn-ea"/>
+                <a:cs typeface="+mn-ea"/>
+              </a:rPr>
+              <a:t>解决：小组四人共同商讨和调整</a:t>
+            </a:r>
+            <a:r>
+              <a:rPr lang="zh-CN" altLang="en-US" b="1">
+                <a:latin typeface="+mn-ea"/>
+                <a:cs typeface="+mn-ea"/>
+              </a:rPr>
+              <a:t>了sql和参数数组,修改了数据库。</a:t>
+            </a:r>
+            <a:endParaRPr lang="zh-CN" altLang="en-US" b="1">
+              <a:latin typeface="+mn-ea"/>
+              <a:cs typeface="+mn-ea"/>
+            </a:endParaRPr>
+          </a:p>
+          <a:p>
+            <a:endParaRPr lang="en-US" altLang="zh-CN" b="1">
+              <a:latin typeface="+mn-ea"/>
+              <a:cs typeface="+mn-ea"/>
             </a:endParaRPr>
           </a:p>
         </p:txBody>
@@ -7306,67 +7439,20 @@
 
 <file path=ppt/tags/tag13.xml><?xml version="1.0" encoding="utf-8"?>
 <p:tagLst xmlns:p="http://schemas.openxmlformats.org/presentationml/2006/main">
-  <p:tag name="KSO_WM_DIAGRAM_VIRTUALLY_FRAME" val="{&quot;height&quot;:300,&quot;left&quot;:45,&quot;top&quot;:45,&quot;width&quot;:390}"/>
+  <p:tag name="TABLE_ENDDRAG_ORIGIN_RECT" val="561*303"/>
+  <p:tag name="TABLE_ENDDRAG_RECT" val="71*97*561*303"/>
 </p:tagLst>
 </file>
 
 <file path=ppt/tags/tag14.xml><?xml version="1.0" encoding="utf-8"?>
 <p:tagLst xmlns:p="http://schemas.openxmlformats.org/presentationml/2006/main">
-  <p:tag name="KSO_WM_DIAGRAM_VIRTUALLY_FRAME" val="{&quot;height&quot;:300,&quot;left&quot;:45,&quot;top&quot;:45,&quot;width&quot;:390}"/>
-</p:tagLst>
-</file>
-
-<file path=ppt/tags/tag15.xml><?xml version="1.0" encoding="utf-8"?>
-<p:tagLst xmlns:p="http://schemas.openxmlformats.org/presentationml/2006/main">
-  <p:tag name="KSO_WM_DIAGRAM_VIRTUALLY_FRAME" val="{&quot;height&quot;:300,&quot;left&quot;:45,&quot;top&quot;:45,&quot;width&quot;:390}"/>
-</p:tagLst>
-</file>
-
-<file path=ppt/tags/tag16.xml><?xml version="1.0" encoding="utf-8"?>
-<p:tagLst xmlns:p="http://schemas.openxmlformats.org/presentationml/2006/main">
-  <p:tag name="KSO_WM_DIAGRAM_VIRTUALLY_FRAME" val="{&quot;height&quot;:300,&quot;left&quot;:45,&quot;top&quot;:45,&quot;width&quot;:390}"/>
-</p:tagLst>
-</file>
-
-<file path=ppt/tags/tag17.xml><?xml version="1.0" encoding="utf-8"?>
-<p:tagLst xmlns:p="http://schemas.openxmlformats.org/presentationml/2006/main">
-  <p:tag name="KSO_WM_DIAGRAM_VIRTUALLY_FRAME" val="{&quot;height&quot;:300,&quot;left&quot;:45,&quot;top&quot;:45,&quot;width&quot;:390}"/>
-</p:tagLst>
-</file>
-
-<file path=ppt/tags/tag18.xml><?xml version="1.0" encoding="utf-8"?>
-<p:tagLst xmlns:p="http://schemas.openxmlformats.org/presentationml/2006/main">
-  <p:tag name="KSO_WM_DIAGRAM_VIRTUALLY_FRAME" val="{&quot;height&quot;:300,&quot;left&quot;:45,&quot;top&quot;:45,&quot;width&quot;:390}"/>
-</p:tagLst>
-</file>
-
-<file path=ppt/tags/tag19.xml><?xml version="1.0" encoding="utf-8"?>
-<p:tagLst xmlns:p="http://schemas.openxmlformats.org/presentationml/2006/main">
-  <p:tag name="KSO_WM_DIAGRAM_VIRTUALLY_FRAME" val="{&quot;height&quot;:300,&quot;left&quot;:45,&quot;top&quot;:45,&quot;width&quot;:390}"/>
+  <p:tag name="commondata" val="eyJoZGlkIjoiMjYyZmZlM2RiNzNkODYzMmRmMzE4MjFlOTcxMTVjYTIifQ=="/>
 </p:tagLst>
 </file>
 
 <file path=ppt/tags/tag2.xml><?xml version="1.0" encoding="utf-8"?>
 <p:tagLst xmlns:p="http://schemas.openxmlformats.org/presentationml/2006/main">
   <p:tag name="KSO_WM_DIAGRAM_VIRTUALLY_FRAME" val="{&quot;height&quot;:300,&quot;left&quot;:270,&quot;top&quot;:45,&quot;width&quot;:393.75}"/>
-</p:tagLst>
-</file>
-
-<file path=ppt/tags/tag20.xml><?xml version="1.0" encoding="utf-8"?>
-<p:tagLst xmlns:p="http://schemas.openxmlformats.org/presentationml/2006/main">
-  <p:tag name="KSO_WM_DIAGRAM_VIRTUALLY_FRAME" val="{&quot;height&quot;:300,&quot;left&quot;:45,&quot;top&quot;:45,&quot;width&quot;:390}"/>
-</p:tagLst>
-</file>
-
-<file path=ppt/tags/tag21.xml><?xml version="1.0" encoding="utf-8"?>
-<p:tagLst xmlns:p="http://schemas.openxmlformats.org/presentationml/2006/main">
-  <p:tag name="KSO_WM_DIAGRAM_VIRTUALLY_FRAME" val="{&quot;height&quot;:300,&quot;left&quot;:45,&quot;top&quot;:45,&quot;width&quot;:390}"/>
-</p:tagLst>
-</file>
-
-<file path=ppt/tags/tag22.xml><?xml version="1.0" encoding="utf-8"?>
-<p:tagLst xmlns:p="http://schemas.openxmlformats.org/presentationml/2006/main">
-  <p:tag name="commondata" val="eyJoZGlkIjoiMjYyZmZlM2RiNzNkODYzMmRmMzE4MjFlOTcxMTVjYTIifQ=="/>
 </p:tagLst>
 </file>
 

--- a/3组_商城后台管理系统_中期报告.pptx
+++ b/3组_商城后台管理系统_中期报告.pptx
@@ -18,20 +18,21 @@
     <p:sldId id="264" r:id="rId11"/>
     <p:sldId id="290" r:id="rId12"/>
     <p:sldId id="291" r:id="rId13"/>
-    <p:sldId id="306" r:id="rId14"/>
-    <p:sldId id="267" r:id="rId15"/>
-    <p:sldId id="314" r:id="rId16"/>
+    <p:sldId id="294" r:id="rId14"/>
+    <p:sldId id="293" r:id="rId15"/>
+    <p:sldId id="267" r:id="rId16"/>
     <p:sldId id="268" r:id="rId17"/>
     <p:sldId id="269" r:id="rId18"/>
     <p:sldId id="277" r:id="rId19"/>
     <p:sldId id="273" r:id="rId20"/>
     <p:sldId id="274" r:id="rId21"/>
-    <p:sldId id="276" r:id="rId22"/>
+    <p:sldId id="275" r:id="rId22"/>
+    <p:sldId id="276" r:id="rId23"/>
   </p:sldIdLst>
   <p:sldSz cx="9144000" cy="5143500"/>
   <p:notesSz cx="5143500" cy="9144000"/>
   <p:custDataLst>
-    <p:tags r:id="rId26"/>
+    <p:tags r:id="rId27"/>
   </p:custDataLst>
   <p:defaultTextStyle>
     <a:lvl1pPr marL="0" algn="l" defTabSz="914400" rtl="0" eaLnBrk="1" latinLnBrk="0" hangingPunct="1">
@@ -944,6 +945,84 @@
 </file>
 
 <file path=ppt/notesSlides/notesSlide15.xml><?xml version="1.0" encoding="utf-8"?>
+<p:notes xmlns:a="http://schemas.openxmlformats.org/drawingml/2006/main" xmlns:r="http://schemas.openxmlformats.org/officeDocument/2006/relationships" xmlns:p="http://schemas.openxmlformats.org/presentationml/2006/main">
+  <p:cSld>
+    <p:spTree>
+      <p:nvGrpSpPr>
+        <p:cNvPr id="1" name=""/>
+        <p:cNvGrpSpPr/>
+        <p:nvPr/>
+      </p:nvGrpSpPr>
+      <p:grpSpPr>
+        <a:xfrm>
+          <a:off x="0" y="0"/>
+          <a:ext cx="0" cy="0"/>
+          <a:chOff x="0" y="0"/>
+          <a:chExt cx="0" cy="0"/>
+        </a:xfrm>
+      </p:grpSpPr>
+      <p:sp>
+        <p:nvSpPr>
+          <p:cNvPr id="2" name="Slide Image Placeholder 1"/>
+          <p:cNvSpPr>
+            <a:spLocks noGrp="1" noRot="1" noChangeAspect="1"/>
+          </p:cNvSpPr>
+          <p:nvPr>
+            <p:ph type="sldImg"/>
+          </p:nvPr>
+        </p:nvSpPr>
+        <p:spPr/>
+      </p:sp>
+      <p:sp>
+        <p:nvSpPr>
+          <p:cNvPr id="3" name="Notes Placeholder 2"/>
+          <p:cNvSpPr>
+            <a:spLocks noGrp="1"/>
+          </p:cNvSpPr>
+          <p:nvPr>
+            <p:ph type="body" idx="1"/>
+          </p:nvPr>
+        </p:nvSpPr>
+        <p:spPr/>
+        <p:txBody>
+          <a:bodyPr/>
+          <a:lstStyle/>
+          <a:p>
+            <a:endParaRPr lang="en-US" dirty="0"/>
+          </a:p>
+        </p:txBody>
+      </p:sp>
+      <p:sp>
+        <p:nvSpPr>
+          <p:cNvPr id="4" name="Slide Number Placeholder 3"/>
+          <p:cNvSpPr>
+            <a:spLocks noGrp="1"/>
+          </p:cNvSpPr>
+          <p:nvPr>
+            <p:ph type="sldNum" sz="quarter" idx="10"/>
+          </p:nvPr>
+        </p:nvSpPr>
+        <p:spPr/>
+        <p:txBody>
+          <a:bodyPr/>
+          <a:lstStyle/>
+          <a:p>
+            <a:fld id="{F7021451-1387-4CA6-816F-3879F97B5CBC}" type="slidenum">
+              <a:rPr lang="en-US"/>
+            </a:fld>
+            <a:endParaRPr lang="en-US"/>
+          </a:p>
+        </p:txBody>
+      </p:sp>
+    </p:spTree>
+  </p:cSld>
+  <p:clrMapOvr>
+    <a:masterClrMapping/>
+  </p:clrMapOvr>
+</p:notes>
+</file>
+
+<file path=ppt/notesSlides/notesSlide16.xml><?xml version="1.0" encoding="utf-8"?>
 <p:notes xmlns:a="http://schemas.openxmlformats.org/drawingml/2006/main" xmlns:r="http://schemas.openxmlformats.org/officeDocument/2006/relationships" xmlns:p="http://schemas.openxmlformats.org/presentationml/2006/main">
   <p:cSld>
     <p:spTree>
@@ -2422,8 +2501,8 @@
         </p:nvSpPr>
         <p:spPr>
           <a:xfrm>
-            <a:off x="311150" y="300355"/>
-            <a:ext cx="4794885" cy="716280"/>
+            <a:off x="142875" y="215900"/>
+            <a:ext cx="4424680" cy="783590"/>
           </a:xfrm>
           <a:prstGeom prst="rect">
             <a:avLst/>
@@ -2432,7 +2511,7 @@
         </p:spPr>
         <p:txBody>
           <a:bodyPr wrap="square" rtlCol="0">
-            <a:noAutofit/>
+            <a:spAutoFit/>
           </a:bodyPr>
           <a:p>
             <a:r>
@@ -2455,7 +2534,7 @@
                 <a:ea typeface="微软雅黑" panose="020B0503020204020204" pitchFamily="34" charset="-122"/>
                 <a:cs typeface="微软雅黑" panose="020B0503020204020204" pitchFamily="34" charset="-122"/>
               </a:rPr>
-              <a:t>5-7</a:t>
+              <a:t>4</a:t>
             </a:r>
             <a:r>
               <a:rPr lang="zh-CN" altLang="en-US" sz="2250">
@@ -2466,7 +2545,7 @@
                 <a:ea typeface="微软雅黑" panose="020B0503020204020204" pitchFamily="34" charset="-122"/>
                 <a:cs typeface="微软雅黑" panose="020B0503020204020204" pitchFamily="34" charset="-122"/>
               </a:rPr>
-              <a:t>周：高级功能实现及测试</a:t>
+              <a:t>周：核心功能开发及测试</a:t>
             </a:r>
             <a:endParaRPr lang="zh-CN" altLang="en-US" sz="2250">
               <a:solidFill>
@@ -2478,11 +2557,6 @@
             </a:endParaRPr>
           </a:p>
           <a:p>
-            <a:pPr algn="l">
-              <a:buClrTx/>
-              <a:buSzTx/>
-              <a:buFontTx/>
-            </a:pPr>
             <a:endParaRPr lang="zh-CN" altLang="en-US" sz="2250">
               <a:solidFill>
                 <a:schemeClr val="bg1"/>
@@ -2502,8 +2576,8 @@
         </p:nvSpPr>
         <p:spPr>
           <a:xfrm>
-            <a:off x="311785" y="1637665"/>
-            <a:ext cx="6972935" cy="2987675"/>
+            <a:off x="335915" y="1612900"/>
+            <a:ext cx="5241290" cy="2030095"/>
           </a:xfrm>
           <a:prstGeom prst="rect">
             <a:avLst/>
@@ -2512,773 +2586,79 @@
         </p:spPr>
         <p:txBody>
           <a:bodyPr wrap="square" rtlCol="0">
-            <a:noAutofit/>
+            <a:spAutoFit/>
           </a:bodyPr>
           <a:p>
+            <a:r>
+              <a:rPr lang="en-US" altLang="zh-CN"/>
+              <a:t>1. </a:t>
+            </a:r>
+            <a:r>
+              <a:rPr lang="zh-CN" altLang="en-US"/>
+              <a:t>用户权限模块</a:t>
+            </a:r>
             <a:endParaRPr lang="zh-CN" altLang="en-US"/>
           </a:p>
-        </p:txBody>
-      </p:sp>
-      <p:graphicFrame>
-        <p:nvGraphicFramePr>
-          <p:cNvPr id="6" name="表格 5"/>
-          <p:cNvGraphicFramePr/>
-          <p:nvPr>
-            <p:custDataLst>
-              <p:tags r:id="rId2"/>
-            </p:custDataLst>
-          </p:nvPr>
-        </p:nvGraphicFramePr>
-        <p:xfrm>
-          <a:off x="826135" y="1339215"/>
-          <a:ext cx="8128635" cy="4294505"/>
-        </p:xfrm>
-        <a:graphic>
-          <a:graphicData uri="http://schemas.openxmlformats.org/drawingml/2006/table">
-            <a:tbl>
-              <a:tblPr/>
-              <a:tblGrid>
-                <a:gridCol w="1803400"/>
-                <a:gridCol w="1804035"/>
-                <a:gridCol w="4521200"/>
-              </a:tblGrid>
-              <a:tr h="332105">
-                <a:tc>
-                  <a:txBody>
-                    <a:bodyPr/>
-                    <a:p>
-                      <a:pPr marL="68580" algn="l">
-                        <a:buClrTx/>
-                        <a:buSzTx/>
-                        <a:buFontTx/>
-                      </a:pPr>
-                      <a:r>
-                        <a:rPr lang="en-US" altLang="zh-CN" sz="2000" b="1">
-                          <a:latin typeface="Calibri" panose="020F0502020204030204"/>
-                          <a:ea typeface="Calibri" panose="020F0502020204030204"/>
-                        </a:rPr>
-                        <a:t>时间</a:t>
-                      </a:r>
-                      <a:endParaRPr lang="en-US" altLang="zh-CN" sz="2000" b="1">
-                        <a:latin typeface="Calibri" panose="020F0502020204030204"/>
-                        <a:ea typeface="Calibri" panose="020F0502020204030204"/>
-                      </a:endParaRPr>
-                    </a:p>
-                  </a:txBody>
-                  <a:tcPr marL="68580" marR="68580" marT="0" marB="0" anchor="t" anchorCtr="0">
-                    <a:lnL w="12700" cap="flat" cmpd="sng">
-                      <a:solidFill>
-                        <a:srgbClr val="000008"/>
-                      </a:solidFill>
-                      <a:prstDash val="solid"/>
-                      <a:headEnd type="none" w="med" len="med"/>
-                      <a:tailEnd type="none" w="med" len="med"/>
-                    </a:lnL>
-                    <a:lnR w="12700" cap="flat" cmpd="sng">
-                      <a:solidFill>
-                        <a:srgbClr val="000008"/>
-                      </a:solidFill>
-                      <a:prstDash val="solid"/>
-                      <a:headEnd type="none" w="med" len="med"/>
-                      <a:tailEnd type="none" w="med" len="med"/>
-                    </a:lnR>
-                    <a:lnT w="12700" cap="flat" cmpd="sng">
-                      <a:solidFill>
-                        <a:srgbClr val="000008"/>
-                      </a:solidFill>
-                      <a:prstDash val="solid"/>
-                      <a:headEnd type="none" w="med" len="med"/>
-                      <a:tailEnd type="none" w="med" len="med"/>
-                    </a:lnT>
-                    <a:lnB w="12700" cap="flat" cmpd="sng">
-                      <a:solidFill>
-                        <a:srgbClr val="000008"/>
-                      </a:solidFill>
-                      <a:prstDash val="solid"/>
-                      <a:headEnd type="none" w="med" len="med"/>
-                      <a:tailEnd type="none" w="med" len="med"/>
-                    </a:lnB>
-                    <a:noFill/>
-                  </a:tcPr>
-                </a:tc>
-                <a:tc>
-                  <a:txBody>
-                    <a:bodyPr/>
-                    <a:p>
-                      <a:pPr marL="68580" algn="l">
-                        <a:buClrTx/>
-                        <a:buSzTx/>
-                        <a:buFontTx/>
-                      </a:pPr>
-                      <a:r>
-                        <a:rPr lang="en-US" altLang="zh-CN" sz="2000" b="1">
-                          <a:latin typeface="Calibri" panose="020F0502020204030204"/>
-                          <a:ea typeface="Calibri" panose="020F0502020204030204"/>
-                        </a:rPr>
-                        <a:t>阶段</a:t>
-                      </a:r>
-                      <a:endParaRPr lang="en-US" altLang="zh-CN" sz="2000" b="1">
-                        <a:latin typeface="Calibri" panose="020F0502020204030204"/>
-                        <a:ea typeface="Calibri" panose="020F0502020204030204"/>
-                      </a:endParaRPr>
-                    </a:p>
-                  </a:txBody>
-                  <a:tcPr marL="68580" marR="68580" marT="0" marB="0" anchor="t" anchorCtr="0">
-                    <a:lnL w="12700" cap="flat" cmpd="sng">
-                      <a:solidFill>
-                        <a:srgbClr val="000008"/>
-                      </a:solidFill>
-                      <a:prstDash val="solid"/>
-                      <a:headEnd type="none" w="med" len="med"/>
-                      <a:tailEnd type="none" w="med" len="med"/>
-                    </a:lnL>
-                    <a:lnR w="12700" cap="flat" cmpd="sng">
-                      <a:solidFill>
-                        <a:srgbClr val="000008"/>
-                      </a:solidFill>
-                      <a:prstDash val="solid"/>
-                      <a:headEnd type="none" w="med" len="med"/>
-                      <a:tailEnd type="none" w="med" len="med"/>
-                    </a:lnR>
-                    <a:lnT w="12700" cap="flat" cmpd="sng">
-                      <a:solidFill>
-                        <a:srgbClr val="000008"/>
-                      </a:solidFill>
-                      <a:prstDash val="solid"/>
-                      <a:headEnd type="none" w="med" len="med"/>
-                      <a:tailEnd type="none" w="med" len="med"/>
-                    </a:lnT>
-                    <a:lnB w="12700" cap="flat" cmpd="sng">
-                      <a:solidFill>
-                        <a:srgbClr val="000008"/>
-                      </a:solidFill>
-                      <a:prstDash val="solid"/>
-                      <a:headEnd type="none" w="med" len="med"/>
-                      <a:tailEnd type="none" w="med" len="med"/>
-                    </a:lnB>
-                    <a:noFill/>
-                  </a:tcPr>
-                </a:tc>
-                <a:tc>
-                  <a:txBody>
-                    <a:bodyPr/>
-                    <a:p>
-                      <a:pPr marL="68580" algn="l">
-                        <a:buClrTx/>
-                        <a:buSzTx/>
-                        <a:buFontTx/>
-                      </a:pPr>
-                      <a:r>
-                        <a:rPr lang="en-US" altLang="zh-CN" sz="2000" b="1">
-                          <a:latin typeface="Calibri" panose="020F0502020204030204"/>
-                          <a:ea typeface="Calibri" panose="020F0502020204030204"/>
-                        </a:rPr>
-                        <a:t>具体内容</a:t>
-                      </a:r>
-                      <a:endParaRPr lang="en-US" altLang="zh-CN" sz="2000" b="1">
-                        <a:latin typeface="Calibri" panose="020F0502020204030204"/>
-                        <a:ea typeface="Calibri" panose="020F0502020204030204"/>
-                      </a:endParaRPr>
-                    </a:p>
-                  </a:txBody>
-                  <a:tcPr marL="68580" marR="68580" marT="0" marB="0" anchor="t" anchorCtr="0">
-                    <a:lnL w="12700" cap="flat" cmpd="sng">
-                      <a:solidFill>
-                        <a:srgbClr val="000008"/>
-                      </a:solidFill>
-                      <a:prstDash val="solid"/>
-                      <a:headEnd type="none" w="med" len="med"/>
-                      <a:tailEnd type="none" w="med" len="med"/>
-                    </a:lnL>
-                    <a:lnR w="6350" cap="flat" cmpd="sng">
-                      <a:solidFill>
-                        <a:srgbClr val="000008"/>
-                      </a:solidFill>
-                      <a:prstDash val="solid"/>
-                      <a:headEnd type="none" w="med" len="med"/>
-                      <a:tailEnd type="none" w="med" len="med"/>
-                    </a:lnR>
-                    <a:lnT w="12700" cap="flat" cmpd="sng">
-                      <a:solidFill>
-                        <a:srgbClr val="000008"/>
-                      </a:solidFill>
-                      <a:prstDash val="solid"/>
-                      <a:headEnd type="none" w="med" len="med"/>
-                      <a:tailEnd type="none" w="med" len="med"/>
-                    </a:lnT>
-                    <a:lnB w="12700" cap="flat" cmpd="sng">
-                      <a:solidFill>
-                        <a:srgbClr val="000008"/>
-                      </a:solidFill>
-                      <a:prstDash val="solid"/>
-                      <a:headEnd type="none" w="med" len="med"/>
-                      <a:tailEnd type="none" w="med" len="med"/>
-                    </a:lnB>
-                    <a:noFill/>
-                  </a:tcPr>
-                </a:tc>
-              </a:tr>
-              <a:tr h="1219200">
-                <a:tc>
-                  <a:txBody>
-                    <a:bodyPr/>
-                    <a:p>
-                      <a:pPr marL="68580" algn="l">
-                        <a:buClrTx/>
-                        <a:buSzTx/>
-                        <a:buFontTx/>
-                      </a:pPr>
-                      <a:r>
-                        <a:rPr lang="en-US" altLang="zh-CN" sz="1600" b="1">
-                          <a:latin typeface="Calibri" panose="020F0502020204030204"/>
-                          <a:ea typeface="Calibri" panose="020F0502020204030204"/>
-                        </a:rPr>
-                        <a:t>5~6周</a:t>
-                      </a:r>
-                      <a:endParaRPr lang="en-US" altLang="zh-CN" sz="1600" b="1">
-                        <a:latin typeface="Calibri" panose="020F0502020204030204"/>
-                        <a:ea typeface="Calibri" panose="020F0502020204030204"/>
-                      </a:endParaRPr>
-                    </a:p>
-                  </a:txBody>
-                  <a:tcPr marL="68580" marR="68580" marT="0" marB="0" anchor="t" anchorCtr="0">
-                    <a:lnL w="12700" cap="flat" cmpd="sng">
-                      <a:solidFill>
-                        <a:srgbClr val="000008"/>
-                      </a:solidFill>
-                      <a:prstDash val="solid"/>
-                      <a:headEnd type="none" w="med" len="med"/>
-                      <a:tailEnd type="none" w="med" len="med"/>
-                    </a:lnL>
-                    <a:lnR w="12700" cap="flat" cmpd="sng">
-                      <a:solidFill>
-                        <a:srgbClr val="000008"/>
-                      </a:solidFill>
-                      <a:prstDash val="solid"/>
-                      <a:headEnd type="none" w="med" len="med"/>
-                      <a:tailEnd type="none" w="med" len="med"/>
-                    </a:lnR>
-                    <a:lnT w="12700" cap="flat" cmpd="sng">
-                      <a:solidFill>
-                        <a:srgbClr val="000008"/>
-                      </a:solidFill>
-                      <a:prstDash val="solid"/>
-                      <a:headEnd type="none" w="med" len="med"/>
-                      <a:tailEnd type="none" w="med" len="med"/>
-                    </a:lnT>
-                    <a:lnB w="12700" cap="flat" cmpd="sng">
-                      <a:solidFill>
-                        <a:srgbClr val="000008"/>
-                      </a:solidFill>
-                      <a:prstDash val="solid"/>
-                      <a:headEnd type="none" w="med" len="med"/>
-                      <a:tailEnd type="none" w="med" len="med"/>
-                    </a:lnB>
-                    <a:noFill/>
-                  </a:tcPr>
-                </a:tc>
-                <a:tc>
-                  <a:txBody>
-                    <a:bodyPr/>
-                    <a:p>
-                      <a:pPr marL="68580" algn="l">
-                        <a:buClrTx/>
-                        <a:buSzTx/>
-                        <a:buFontTx/>
-                      </a:pPr>
-                      <a:r>
-                        <a:rPr lang="en-US" altLang="zh-CN" sz="1600" b="1">
-                          <a:latin typeface="Calibri" panose="020F0502020204030204"/>
-                          <a:ea typeface="Calibri" panose="020F0502020204030204"/>
-                        </a:rPr>
-                        <a:t>国际化，登录，登出</a:t>
-                      </a:r>
-                      <a:endParaRPr lang="en-US" altLang="zh-CN" sz="1600" b="1">
-                        <a:latin typeface="Calibri" panose="020F0502020204030204"/>
-                        <a:ea typeface="Calibri" panose="020F0502020204030204"/>
-                      </a:endParaRPr>
-                    </a:p>
-                  </a:txBody>
-                  <a:tcPr marL="68580" marR="68580" marT="0" marB="0" anchor="t" anchorCtr="0">
-                    <a:lnL w="12700" cap="flat" cmpd="sng">
-                      <a:solidFill>
-                        <a:srgbClr val="000008"/>
-                      </a:solidFill>
-                      <a:prstDash val="solid"/>
-                      <a:headEnd type="none" w="med" len="med"/>
-                      <a:tailEnd type="none" w="med" len="med"/>
-                    </a:lnL>
-                    <a:lnR w="12700" cap="flat" cmpd="sng">
-                      <a:solidFill>
-                        <a:srgbClr val="000008"/>
-                      </a:solidFill>
-                      <a:prstDash val="solid"/>
-                      <a:headEnd type="none" w="med" len="med"/>
-                      <a:tailEnd type="none" w="med" len="med"/>
-                    </a:lnR>
-                    <a:lnT w="12700" cap="flat" cmpd="sng">
-                      <a:solidFill>
-                        <a:srgbClr val="000008"/>
-                      </a:solidFill>
-                      <a:prstDash val="solid"/>
-                      <a:headEnd type="none" w="med" len="med"/>
-                      <a:tailEnd type="none" w="med" len="med"/>
-                    </a:lnT>
-                    <a:lnB w="12700" cap="flat" cmpd="sng">
-                      <a:solidFill>
-                        <a:srgbClr val="000008"/>
-                      </a:solidFill>
-                      <a:prstDash val="solid"/>
-                      <a:headEnd type="none" w="med" len="med"/>
-                      <a:tailEnd type="none" w="med" len="med"/>
-                    </a:lnB>
-                    <a:noFill/>
-                  </a:tcPr>
-                </a:tc>
-                <a:tc>
-                  <a:txBody>
-                    <a:bodyPr/>
-                    <a:p>
-                      <a:pPr marL="68580" algn="l">
-                        <a:buClrTx/>
-                        <a:buSzTx/>
-                        <a:buFontTx/>
-                      </a:pPr>
-                      <a:r>
-                        <a:rPr lang="en-US" altLang="zh-CN" sz="1600" b="1">
-                          <a:latin typeface="Calibri" panose="020F0502020204030204"/>
-                          <a:ea typeface="Calibri" panose="020F0502020204030204"/>
-                        </a:rPr>
-                        <a:t>Vue-i8n国际化 Element-国际化，登录布局，登录-功能实现-数据持久化-vuex，Echarts使Mock.js模拟数据</a:t>
-                      </a:r>
-                      <a:endParaRPr lang="en-US" altLang="zh-CN" sz="1600" b="1">
-                        <a:latin typeface="Calibri" panose="020F0502020204030204"/>
-                        <a:ea typeface="Calibri" panose="020F0502020204030204"/>
-                      </a:endParaRPr>
-                    </a:p>
-                  </a:txBody>
-                  <a:tcPr marL="68580" marR="68580" marT="0" marB="0" anchor="t" anchorCtr="0">
-                    <a:lnL w="12700" cap="flat" cmpd="sng">
-                      <a:solidFill>
-                        <a:srgbClr val="000008"/>
-                      </a:solidFill>
-                      <a:prstDash val="solid"/>
-                      <a:headEnd type="none" w="med" len="med"/>
-                      <a:tailEnd type="none" w="med" len="med"/>
-                    </a:lnL>
-                    <a:lnR w="6350" cap="flat" cmpd="sng">
-                      <a:solidFill>
-                        <a:srgbClr val="000008"/>
-                      </a:solidFill>
-                      <a:prstDash val="solid"/>
-                      <a:headEnd type="none" w="med" len="med"/>
-                      <a:tailEnd type="none" w="med" len="med"/>
-                    </a:lnR>
-                    <a:lnT w="12700" cap="flat" cmpd="sng">
-                      <a:solidFill>
-                        <a:srgbClr val="000008"/>
-                      </a:solidFill>
-                      <a:prstDash val="solid"/>
-                      <a:headEnd type="none" w="med" len="med"/>
-                      <a:tailEnd type="none" w="med" len="med"/>
-                    </a:lnT>
-                    <a:lnB w="12700" cap="flat" cmpd="sng">
-                      <a:solidFill>
-                        <a:srgbClr val="000008"/>
-                      </a:solidFill>
-                      <a:prstDash val="solid"/>
-                      <a:headEnd type="none" w="med" len="med"/>
-                      <a:tailEnd type="none" w="med" len="med"/>
-                    </a:lnB>
-                    <a:noFill/>
-                  </a:tcPr>
-                </a:tc>
-              </a:tr>
-              <a:tr h="906145">
-                <a:tc>
-                  <a:txBody>
-                    <a:bodyPr/>
-                    <a:p>
-                      <a:pPr marL="68580" algn="l">
-                        <a:buClrTx/>
-                        <a:buSzTx/>
-                        <a:buFontTx/>
-                      </a:pPr>
-                      <a:r>
-                        <a:rPr lang="en-US" altLang="zh-CN" sz="1600" b="1">
-                          <a:latin typeface="Calibri" panose="020F0502020204030204"/>
-                          <a:ea typeface="Calibri" panose="020F0502020204030204"/>
-                        </a:rPr>
-                        <a:t>5~6周</a:t>
-                      </a:r>
-                      <a:endParaRPr lang="en-US" altLang="zh-CN" sz="1600" b="1">
-                        <a:latin typeface="Calibri" panose="020F0502020204030204"/>
-                        <a:ea typeface="Calibri" panose="020F0502020204030204"/>
-                      </a:endParaRPr>
-                    </a:p>
-                  </a:txBody>
-                  <a:tcPr marL="68580" marR="68580" marT="0" marB="0" anchor="t" anchorCtr="0">
-                    <a:lnL w="12700" cap="flat" cmpd="sng">
-                      <a:solidFill>
-                        <a:srgbClr val="000008"/>
-                      </a:solidFill>
-                      <a:prstDash val="solid"/>
-                      <a:headEnd type="none" w="med" len="med"/>
-                      <a:tailEnd type="none" w="med" len="med"/>
-                    </a:lnL>
-                    <a:lnR w="12700" cap="flat" cmpd="sng">
-                      <a:solidFill>
-                        <a:srgbClr val="000008"/>
-                      </a:solidFill>
-                      <a:prstDash val="solid"/>
-                      <a:headEnd type="none" w="med" len="med"/>
-                      <a:tailEnd type="none" w="med" len="med"/>
-                    </a:lnR>
-                    <a:lnT w="12700" cap="flat" cmpd="sng">
-                      <a:solidFill>
-                        <a:srgbClr val="000008"/>
-                      </a:solidFill>
-                      <a:prstDash val="solid"/>
-                      <a:headEnd type="none" w="med" len="med"/>
-                      <a:tailEnd type="none" w="med" len="med"/>
-                    </a:lnT>
-                    <a:lnB w="12700" cap="flat" cmpd="sng">
-                      <a:solidFill>
-                        <a:srgbClr val="000008"/>
-                      </a:solidFill>
-                      <a:prstDash val="solid"/>
-                      <a:headEnd type="none" w="med" len="med"/>
-                      <a:tailEnd type="none" w="med" len="med"/>
-                    </a:lnB>
-                    <a:noFill/>
-                  </a:tcPr>
-                </a:tc>
-                <a:tc>
-                  <a:txBody>
-                    <a:bodyPr/>
-                    <a:p>
-                      <a:pPr marL="68580" algn="l">
-                        <a:buClrTx/>
-                        <a:buSzTx/>
-                        <a:buFontTx/>
-                      </a:pPr>
-                      <a:r>
-                        <a:rPr lang="en-US" altLang="zh-CN" sz="1600" b="1">
-                          <a:latin typeface="Calibri" panose="020F0502020204030204"/>
-                          <a:ea typeface="Calibri" panose="020F0502020204030204"/>
-                        </a:rPr>
-                        <a:t>规格参数</a:t>
-                      </a:r>
-                      <a:endParaRPr lang="en-US" altLang="zh-CN" sz="1600" b="1">
-                        <a:latin typeface="Calibri" panose="020F0502020204030204"/>
-                        <a:ea typeface="Calibri" panose="020F0502020204030204"/>
-                      </a:endParaRPr>
-                    </a:p>
-                  </a:txBody>
-                  <a:tcPr marL="68580" marR="68580" marT="0" marB="0" anchor="t" anchorCtr="0">
-                    <a:lnL w="12700" cap="flat" cmpd="sng">
-                      <a:solidFill>
-                        <a:srgbClr val="000008"/>
-                      </a:solidFill>
-                      <a:prstDash val="solid"/>
-                      <a:headEnd type="none" w="med" len="med"/>
-                      <a:tailEnd type="none" w="med" len="med"/>
-                    </a:lnL>
-                    <a:lnR w="12700" cap="flat" cmpd="sng">
-                      <a:solidFill>
-                        <a:srgbClr val="000008"/>
-                      </a:solidFill>
-                      <a:prstDash val="solid"/>
-                      <a:headEnd type="none" w="med" len="med"/>
-                      <a:tailEnd type="none" w="med" len="med"/>
-                    </a:lnR>
-                    <a:lnT w="12700" cap="flat" cmpd="sng">
-                      <a:solidFill>
-                        <a:srgbClr val="000008"/>
-                      </a:solidFill>
-                      <a:prstDash val="solid"/>
-                      <a:headEnd type="none" w="med" len="med"/>
-                      <a:tailEnd type="none" w="med" len="med"/>
-                    </a:lnT>
-                    <a:lnB w="12700" cap="flat" cmpd="sng">
-                      <a:solidFill>
-                        <a:srgbClr val="000008"/>
-                      </a:solidFill>
-                      <a:prstDash val="solid"/>
-                      <a:headEnd type="none" w="med" len="med"/>
-                      <a:tailEnd type="none" w="med" len="med"/>
-                    </a:lnB>
-                    <a:noFill/>
-                  </a:tcPr>
-                </a:tc>
-                <a:tc>
-                  <a:txBody>
-                    <a:bodyPr/>
-                    <a:p>
-                      <a:pPr marL="68580" algn="l">
-                        <a:buClrTx/>
-                        <a:buSzTx/>
-                        <a:buFontTx/>
-                      </a:pPr>
-                      <a:r>
-                        <a:rPr lang="en-US" altLang="zh-CN" sz="1600" b="1">
-                          <a:latin typeface="Calibri" panose="020F0502020204030204"/>
-                          <a:ea typeface="Calibri" panose="020F0502020204030204"/>
-                        </a:rPr>
-                        <a:t>规格参数列表获取，添加规格参数-动态表单，规格参数配置，商品添加-规格参数回显</a:t>
-                      </a:r>
-                      <a:endParaRPr lang="en-US" altLang="zh-CN" sz="1600" b="1">
-                        <a:latin typeface="Calibri" panose="020F0502020204030204"/>
-                        <a:ea typeface="Calibri" panose="020F0502020204030204"/>
-                      </a:endParaRPr>
-                    </a:p>
-                    <a:p>
-                      <a:pPr marL="68580" algn="l">
-                        <a:buClrTx/>
-                        <a:buSzTx/>
-                        <a:buFontTx/>
-                      </a:pPr>
-                      <a:r>
-                        <a:rPr lang="en-US" altLang="zh-CN" sz="1600" b="1">
-                          <a:latin typeface="Calibri" panose="020F0502020204030204"/>
-                          <a:ea typeface="Calibri" panose="020F0502020204030204"/>
-                        </a:rPr>
-                        <a:t> </a:t>
-                      </a:r>
-                      <a:endParaRPr lang="en-US" altLang="zh-CN" sz="1600" b="1">
-                        <a:latin typeface="Calibri" panose="020F0502020204030204"/>
-                        <a:ea typeface="Calibri" panose="020F0502020204030204"/>
-                      </a:endParaRPr>
-                    </a:p>
-                  </a:txBody>
-                  <a:tcPr marL="68580" marR="68580" marT="0" marB="0" anchor="t" anchorCtr="0">
-                    <a:lnL w="12700" cap="flat" cmpd="sng">
-                      <a:solidFill>
-                        <a:srgbClr val="000008"/>
-                      </a:solidFill>
-                      <a:prstDash val="solid"/>
-                      <a:headEnd type="none" w="med" len="med"/>
-                      <a:tailEnd type="none" w="med" len="med"/>
-                    </a:lnL>
-                    <a:lnR w="6350" cap="flat" cmpd="sng">
-                      <a:solidFill>
-                        <a:srgbClr val="000008"/>
-                      </a:solidFill>
-                      <a:prstDash val="solid"/>
-                      <a:headEnd type="none" w="med" len="med"/>
-                      <a:tailEnd type="none" w="med" len="med"/>
-                    </a:lnR>
-                    <a:lnT w="12700" cap="flat" cmpd="sng">
-                      <a:solidFill>
-                        <a:srgbClr val="000008"/>
-                      </a:solidFill>
-                      <a:prstDash val="solid"/>
-                      <a:headEnd type="none" w="med" len="med"/>
-                      <a:tailEnd type="none" w="med" len="med"/>
-                    </a:lnT>
-                    <a:lnB w="12700" cap="flat" cmpd="sng">
-                      <a:solidFill>
-                        <a:srgbClr val="000008"/>
-                      </a:solidFill>
-                      <a:prstDash val="solid"/>
-                      <a:headEnd type="none" w="med" len="med"/>
-                      <a:tailEnd type="none" w="med" len="med"/>
-                    </a:lnB>
-                    <a:noFill/>
-                  </a:tcPr>
-                </a:tc>
-              </a:tr>
-              <a:tr h="1276985">
-                <a:tc>
-                  <a:txBody>
-                    <a:bodyPr/>
-                    <a:p>
-                      <a:pPr marL="68580" algn="l">
-                        <a:buClrTx/>
-                        <a:buSzTx/>
-                        <a:buFontTx/>
-                      </a:pPr>
-                      <a:r>
-                        <a:rPr lang="en-US" altLang="zh-CN" sz="1600" b="1">
-                          <a:latin typeface="Calibri" panose="020F0502020204030204"/>
-                          <a:ea typeface="Calibri" panose="020F0502020204030204"/>
-                        </a:rPr>
-                        <a:t>6~7周</a:t>
-                      </a:r>
-                      <a:endParaRPr lang="en-US" altLang="zh-CN" sz="1600" b="1">
-                        <a:latin typeface="Calibri" panose="020F0502020204030204"/>
-                        <a:ea typeface="Calibri" panose="020F0502020204030204"/>
-                      </a:endParaRPr>
-                    </a:p>
-                  </a:txBody>
-                  <a:tcPr marL="68580" marR="68580" marT="0" marB="0" anchor="t" anchorCtr="0">
-                    <a:lnL w="12700" cap="flat" cmpd="sng">
-                      <a:solidFill>
-                        <a:srgbClr val="000008"/>
-                      </a:solidFill>
-                      <a:prstDash val="solid"/>
-                      <a:headEnd type="none" w="med" len="med"/>
-                      <a:tailEnd type="none" w="med" len="med"/>
-                    </a:lnL>
-                    <a:lnR w="12700" cap="flat" cmpd="sng">
-                      <a:solidFill>
-                        <a:srgbClr val="000008"/>
-                      </a:solidFill>
-                      <a:prstDash val="solid"/>
-                      <a:headEnd type="none" w="med" len="med"/>
-                      <a:tailEnd type="none" w="med" len="med"/>
-                    </a:lnR>
-                    <a:lnT w="12700" cap="flat" cmpd="sng">
-                      <a:solidFill>
-                        <a:srgbClr val="000008"/>
-                      </a:solidFill>
-                      <a:prstDash val="solid"/>
-                      <a:headEnd type="none" w="med" len="med"/>
-                      <a:tailEnd type="none" w="med" len="med"/>
-                    </a:lnT>
-                    <a:lnB w="12700" cap="flat" cmpd="sng">
-                      <a:solidFill>
-                        <a:srgbClr val="000008"/>
-                      </a:solidFill>
-                      <a:prstDash val="solid"/>
-                      <a:headEnd type="none" w="med" len="med"/>
-                      <a:tailEnd type="none" w="med" len="med"/>
-                    </a:lnB>
-                    <a:noFill/>
-                  </a:tcPr>
-                </a:tc>
-                <a:tc>
-                  <a:txBody>
-                    <a:bodyPr/>
-                    <a:p>
-                      <a:pPr marL="68580" algn="l">
-                        <a:buClrTx/>
-                        <a:buSzTx/>
-                        <a:buFontTx/>
-                      </a:pPr>
-                      <a:r>
-                        <a:rPr lang="en-US" altLang="zh-CN" sz="1600" b="1">
-                          <a:latin typeface="Calibri" panose="020F0502020204030204"/>
-                          <a:ea typeface="Calibri" panose="020F0502020204030204"/>
-                        </a:rPr>
-                        <a:t>Pdf打印，下载图片，测试</a:t>
-                      </a:r>
-                      <a:endParaRPr lang="en-US" altLang="zh-CN" sz="1600" b="1">
-                        <a:latin typeface="Calibri" panose="020F0502020204030204"/>
-                        <a:ea typeface="Calibri" panose="020F0502020204030204"/>
-                      </a:endParaRPr>
-                    </a:p>
-                  </a:txBody>
-                  <a:tcPr marL="68580" marR="68580" marT="0" marB="0" anchor="t" anchorCtr="0">
-                    <a:lnL w="12700" cap="flat" cmpd="sng">
-                      <a:solidFill>
-                        <a:srgbClr val="000008"/>
-                      </a:solidFill>
-                      <a:prstDash val="solid"/>
-                      <a:headEnd type="none" w="med" len="med"/>
-                      <a:tailEnd type="none" w="med" len="med"/>
-                    </a:lnL>
-                    <a:lnR w="12700" cap="flat" cmpd="sng">
-                      <a:solidFill>
-                        <a:srgbClr val="000008"/>
-                      </a:solidFill>
-                      <a:prstDash val="solid"/>
-                      <a:headEnd type="none" w="med" len="med"/>
-                      <a:tailEnd type="none" w="med" len="med"/>
-                    </a:lnR>
-                    <a:lnT w="12700" cap="flat" cmpd="sng">
-                      <a:solidFill>
-                        <a:srgbClr val="000008"/>
-                      </a:solidFill>
-                      <a:prstDash val="solid"/>
-                      <a:headEnd type="none" w="med" len="med"/>
-                      <a:tailEnd type="none" w="med" len="med"/>
-                    </a:lnT>
-                    <a:lnB w="12700" cap="flat" cmpd="sng">
-                      <a:solidFill>
-                        <a:srgbClr val="000008"/>
-                      </a:solidFill>
-                      <a:prstDash val="solid"/>
-                      <a:headEnd type="none" w="med" len="med"/>
-                      <a:tailEnd type="none" w="med" len="med"/>
-                    </a:lnB>
-                    <a:noFill/>
-                  </a:tcPr>
-                </a:tc>
-                <a:tc>
-                  <a:txBody>
-                    <a:bodyPr/>
-                    <a:p>
-                      <a:pPr marL="68580" algn="l">
-                        <a:buClrTx/>
-                        <a:buSzTx/>
-                        <a:buFontTx/>
-                      </a:pPr>
-                      <a:r>
-                        <a:rPr lang="en-US" altLang="zh-CN" sz="1600" b="1">
-                          <a:latin typeface="Calibri" panose="020F0502020204030204"/>
-                          <a:ea typeface="Calibri" panose="020F0502020204030204"/>
-                        </a:rPr>
-                        <a:t>Vue-pdf打印合同，Vue项目-下载图片资源，Vue项目-实现表格导出EXCEL表格，测试整体完成度，功能实现，兼容性。</a:t>
-                      </a:r>
-                      <a:endParaRPr lang="en-US" altLang="zh-CN" sz="1600" b="1">
-                        <a:latin typeface="Calibri" panose="020F0502020204030204"/>
-                        <a:ea typeface="Calibri" panose="020F0502020204030204"/>
-                      </a:endParaRPr>
-                    </a:p>
-                    <a:p>
-                      <a:pPr marL="68580" algn="l">
-                        <a:buClrTx/>
-                        <a:buSzTx/>
-                        <a:buFontTx/>
-                      </a:pPr>
-                      <a:endParaRPr lang="en-US" altLang="zh-CN" sz="1600" b="1">
-                        <a:latin typeface="Calibri" panose="020F0502020204030204"/>
-                        <a:ea typeface="Calibri" panose="020F0502020204030204"/>
-                      </a:endParaRPr>
-                    </a:p>
-                  </a:txBody>
-                  <a:tcPr marL="68580" marR="68580" marT="0" marB="0" anchor="t" anchorCtr="0">
-                    <a:lnL w="12700" cap="flat" cmpd="sng">
-                      <a:solidFill>
-                        <a:srgbClr val="000008"/>
-                      </a:solidFill>
-                      <a:prstDash val="solid"/>
-                      <a:headEnd type="none" w="med" len="med"/>
-                      <a:tailEnd type="none" w="med" len="med"/>
-                    </a:lnL>
-                    <a:lnR w="6350" cap="flat" cmpd="sng">
-                      <a:solidFill>
-                        <a:srgbClr val="000008"/>
-                      </a:solidFill>
-                      <a:prstDash val="solid"/>
-                      <a:headEnd type="none" w="med" len="med"/>
-                      <a:tailEnd type="none" w="med" len="med"/>
-                    </a:lnR>
-                    <a:lnT w="12700" cap="flat" cmpd="sng">
-                      <a:solidFill>
-                        <a:srgbClr val="000008"/>
-                      </a:solidFill>
-                      <a:prstDash val="solid"/>
-                      <a:headEnd type="none" w="med" len="med"/>
-                      <a:tailEnd type="none" w="med" len="med"/>
-                    </a:lnT>
-                    <a:lnB w="12700" cap="flat" cmpd="sng">
-                      <a:solidFill>
-                        <a:srgbClr val="000008"/>
-                      </a:solidFill>
-                      <a:prstDash val="solid"/>
-                      <a:headEnd type="none" w="med" len="med"/>
-                      <a:tailEnd type="none" w="med" len="med"/>
-                    </a:lnB>
-                    <a:noFill/>
-                  </a:tcPr>
-                </a:tc>
-              </a:tr>
-            </a:tbl>
-          </a:graphicData>
-        </a:graphic>
-      </p:graphicFrame>
+          <a:p>
+            <a:r>
+              <a:rPr lang="en-US" altLang="zh-CN"/>
+              <a:t>   	- RBAC</a:t>
+            </a:r>
+            <a:r>
+              <a:rPr lang="zh-CN" altLang="en-US"/>
+              <a:t>模型实现</a:t>
+            </a:r>
+            <a:endParaRPr lang="zh-CN" altLang="en-US"/>
+          </a:p>
+          <a:p>
+            <a:r>
+              <a:rPr lang="en-US" altLang="zh-CN"/>
+              <a:t>   	- </a:t>
+            </a:r>
+            <a:r>
+              <a:rPr lang="zh-CN" altLang="en-US"/>
+              <a:t>动态路由生成</a:t>
+            </a:r>
+            <a:endParaRPr lang="zh-CN" altLang="en-US"/>
+          </a:p>
+          <a:p>
+            <a:r>
+              <a:rPr lang="en-US" altLang="zh-CN"/>
+              <a:t>   	- </a:t>
+            </a:r>
+            <a:r>
+              <a:rPr lang="zh-CN" altLang="en-US"/>
+              <a:t>权限指令开发</a:t>
+            </a:r>
+            <a:endParaRPr lang="zh-CN" altLang="en-US"/>
+          </a:p>
+          <a:p>
+            <a:r>
+              <a:rPr lang="en-US" altLang="zh-CN"/>
+              <a:t>2.</a:t>
+            </a:r>
+            <a:r>
+              <a:rPr lang="zh-CN" altLang="en-US"/>
+              <a:t>测试</a:t>
+            </a:r>
+            <a:endParaRPr lang="zh-CN" altLang="en-US"/>
+          </a:p>
+          <a:p>
+            <a:r>
+              <a:rPr lang="en-US" altLang="zh-CN"/>
+              <a:t>- </a:t>
+            </a:r>
+            <a:r>
+              <a:rPr lang="zh-CN" altLang="en-US"/>
+              <a:t>测试以上内容的正确性及兼容性等</a:t>
+            </a:r>
+            <a:endParaRPr lang="zh-CN" altLang="en-US"/>
+          </a:p>
+          <a:p>
+            <a:endParaRPr lang="zh-CN" altLang="en-US"/>
+          </a:p>
+        </p:txBody>
+      </p:sp>
     </p:spTree>
   </p:cSld>
   <p:clrMapOvr>
@@ -3288,6 +2668,113 @@
 </file>
 
 <file path=ppt/slides/slide12.xml><?xml version="1.0" encoding="utf-8"?>
+<p:sld xmlns:a="http://schemas.openxmlformats.org/drawingml/2006/main" xmlns:r="http://schemas.openxmlformats.org/officeDocument/2006/relationships" xmlns:p="http://schemas.openxmlformats.org/presentationml/2006/main">
+  <p:cSld>
+    <p:spTree>
+      <p:nvGrpSpPr>
+        <p:cNvPr id="1" name=""/>
+        <p:cNvGrpSpPr/>
+        <p:nvPr/>
+      </p:nvGrpSpPr>
+      <p:grpSpPr/>
+      <p:sp>
+        <p:nvSpPr>
+          <p:cNvPr id="4" name="文本框 3"/>
+          <p:cNvSpPr txBox="1"/>
+          <p:nvPr/>
+        </p:nvSpPr>
+        <p:spPr>
+          <a:xfrm>
+            <a:off x="168275" y="330200"/>
+            <a:ext cx="4533265" cy="876300"/>
+          </a:xfrm>
+          <a:prstGeom prst="rect">
+            <a:avLst/>
+          </a:prstGeom>
+          <a:noFill/>
+        </p:spPr>
+        <p:txBody>
+          <a:bodyPr wrap="square" rtlCol="0">
+            <a:noAutofit/>
+          </a:bodyPr>
+          <a:p>
+            <a:r>
+              <a:rPr lang="zh-CN" altLang="en-US" sz="2250">
+                <a:solidFill>
+                  <a:schemeClr val="bg1"/>
+                </a:solidFill>
+                <a:latin typeface="微软雅黑" panose="020B0503020204020204" pitchFamily="34" charset="-122"/>
+                <a:ea typeface="微软雅黑" panose="020B0503020204020204" pitchFamily="34" charset="-122"/>
+                <a:cs typeface="微软雅黑" panose="020B0503020204020204" pitchFamily="34" charset="-122"/>
+              </a:rPr>
+              <a:t>第</a:t>
+            </a:r>
+            <a:r>
+              <a:rPr lang="en-US" altLang="zh-CN" sz="2250">
+                <a:solidFill>
+                  <a:schemeClr val="bg1"/>
+                </a:solidFill>
+                <a:latin typeface="微软雅黑" panose="020B0503020204020204" pitchFamily="34" charset="-122"/>
+                <a:ea typeface="微软雅黑" panose="020B0503020204020204" pitchFamily="34" charset="-122"/>
+                <a:cs typeface="微软雅黑" panose="020B0503020204020204" pitchFamily="34" charset="-122"/>
+              </a:rPr>
+              <a:t>1</a:t>
+            </a:r>
+            <a:r>
+              <a:rPr lang="zh-CN" altLang="en-US" sz="2250">
+                <a:solidFill>
+                  <a:schemeClr val="bg1"/>
+                </a:solidFill>
+                <a:latin typeface="微软雅黑" panose="020B0503020204020204" pitchFamily="34" charset="-122"/>
+                <a:ea typeface="微软雅黑" panose="020B0503020204020204" pitchFamily="34" charset="-122"/>
+                <a:cs typeface="微软雅黑" panose="020B0503020204020204" pitchFamily="34" charset="-122"/>
+              </a:rPr>
+              <a:t>周：基础架构建及测试</a:t>
+            </a:r>
+            <a:endParaRPr lang="zh-CN" altLang="en-US" sz="2250">
+              <a:solidFill>
+                <a:schemeClr val="bg1"/>
+              </a:solidFill>
+              <a:latin typeface="微软雅黑" panose="020B0503020204020204" pitchFamily="34" charset="-122"/>
+              <a:ea typeface="微软雅黑" panose="020B0503020204020204" pitchFamily="34" charset="-122"/>
+              <a:cs typeface="微软雅黑" panose="020B0503020204020204" pitchFamily="34" charset="-122"/>
+            </a:endParaRPr>
+          </a:p>
+        </p:txBody>
+      </p:sp>
+      <p:pic>
+        <p:nvPicPr>
+          <p:cNvPr id="3" name="图片 2"/>
+          <p:cNvPicPr>
+            <a:picLocks noChangeAspect="1"/>
+          </p:cNvPicPr>
+          <p:nvPr/>
+        </p:nvPicPr>
+        <p:blipFill>
+          <a:blip r:embed="rId1"/>
+          <a:stretch>
+            <a:fillRect/>
+          </a:stretch>
+        </p:blipFill>
+        <p:spPr>
+          <a:xfrm>
+            <a:off x="0" y="0"/>
+            <a:ext cx="9144635" cy="5143500"/>
+          </a:xfrm>
+          <a:prstGeom prst="rect">
+            <a:avLst/>
+          </a:prstGeom>
+        </p:spPr>
+      </p:pic>
+    </p:spTree>
+  </p:cSld>
+  <p:clrMapOvr>
+    <a:masterClrMapping/>
+  </p:clrMapOvr>
+</p:sld>
+</file>
+
+<file path=ppt/slides/slide13.xml><?xml version="1.0" encoding="utf-8"?>
 <p:sld xmlns:a="http://schemas.openxmlformats.org/drawingml/2006/main" xmlns:r="http://schemas.openxmlformats.org/officeDocument/2006/relationships" xmlns:p="http://schemas.openxmlformats.org/presentationml/2006/main">
   <p:cSld>
     <p:spTree>
@@ -3470,113 +2957,6 @@
           </a:p>
         </p:txBody>
       </p:sp>
-    </p:spTree>
-  </p:cSld>
-  <p:clrMapOvr>
-    <a:masterClrMapping/>
-  </p:clrMapOvr>
-</p:sld>
-</file>
-
-<file path=ppt/slides/slide13.xml><?xml version="1.0" encoding="utf-8"?>
-<p:sld xmlns:a="http://schemas.openxmlformats.org/drawingml/2006/main" xmlns:r="http://schemas.openxmlformats.org/officeDocument/2006/relationships" xmlns:p="http://schemas.openxmlformats.org/presentationml/2006/main">
-  <p:cSld>
-    <p:spTree>
-      <p:nvGrpSpPr>
-        <p:cNvPr id="1" name=""/>
-        <p:cNvGrpSpPr/>
-        <p:nvPr/>
-      </p:nvGrpSpPr>
-      <p:grpSpPr/>
-      <p:sp>
-        <p:nvSpPr>
-          <p:cNvPr id="4" name="文本框 3"/>
-          <p:cNvSpPr txBox="1"/>
-          <p:nvPr/>
-        </p:nvSpPr>
-        <p:spPr>
-          <a:xfrm>
-            <a:off x="168275" y="330200"/>
-            <a:ext cx="4533265" cy="876300"/>
-          </a:xfrm>
-          <a:prstGeom prst="rect">
-            <a:avLst/>
-          </a:prstGeom>
-          <a:noFill/>
-        </p:spPr>
-        <p:txBody>
-          <a:bodyPr wrap="square" rtlCol="0">
-            <a:noAutofit/>
-          </a:bodyPr>
-          <a:p>
-            <a:r>
-              <a:rPr lang="zh-CN" altLang="en-US" sz="2250">
-                <a:solidFill>
-                  <a:schemeClr val="bg1"/>
-                </a:solidFill>
-                <a:latin typeface="微软雅黑" panose="020B0503020204020204" pitchFamily="34" charset="-122"/>
-                <a:ea typeface="微软雅黑" panose="020B0503020204020204" pitchFamily="34" charset="-122"/>
-                <a:cs typeface="微软雅黑" panose="020B0503020204020204" pitchFamily="34" charset="-122"/>
-              </a:rPr>
-              <a:t>第</a:t>
-            </a:r>
-            <a:r>
-              <a:rPr lang="en-US" altLang="zh-CN" sz="2250">
-                <a:solidFill>
-                  <a:schemeClr val="bg1"/>
-                </a:solidFill>
-                <a:latin typeface="微软雅黑" panose="020B0503020204020204" pitchFamily="34" charset="-122"/>
-                <a:ea typeface="微软雅黑" panose="020B0503020204020204" pitchFamily="34" charset="-122"/>
-                <a:cs typeface="微软雅黑" panose="020B0503020204020204" pitchFamily="34" charset="-122"/>
-              </a:rPr>
-              <a:t>1</a:t>
-            </a:r>
-            <a:r>
-              <a:rPr lang="zh-CN" altLang="en-US" sz="2250">
-                <a:solidFill>
-                  <a:schemeClr val="bg1"/>
-                </a:solidFill>
-                <a:latin typeface="微软雅黑" panose="020B0503020204020204" pitchFamily="34" charset="-122"/>
-                <a:ea typeface="微软雅黑" panose="020B0503020204020204" pitchFamily="34" charset="-122"/>
-                <a:cs typeface="微软雅黑" panose="020B0503020204020204" pitchFamily="34" charset="-122"/>
-              </a:rPr>
-              <a:t>周：基础架构建及测试</a:t>
-            </a:r>
-            <a:endParaRPr lang="zh-CN" altLang="en-US" sz="2250">
-              <a:solidFill>
-                <a:schemeClr val="bg1"/>
-              </a:solidFill>
-              <a:latin typeface="微软雅黑" panose="020B0503020204020204" pitchFamily="34" charset="-122"/>
-              <a:ea typeface="微软雅黑" panose="020B0503020204020204" pitchFamily="34" charset="-122"/>
-              <a:cs typeface="微软雅黑" panose="020B0503020204020204" pitchFamily="34" charset="-122"/>
-            </a:endParaRPr>
-          </a:p>
-        </p:txBody>
-      </p:sp>
-      <p:pic>
-        <p:nvPicPr>
-          <p:cNvPr id="2" name="图片 1"/>
-          <p:cNvPicPr>
-            <a:picLocks noChangeAspect="1"/>
-          </p:cNvPicPr>
-          <p:nvPr/>
-        </p:nvPicPr>
-        <p:blipFill>
-          <a:blip r:embed="rId1"/>
-          <a:stretch>
-            <a:fillRect/>
-          </a:stretch>
-        </p:blipFill>
-        <p:spPr>
-          <a:xfrm>
-            <a:off x="563880" y="-635"/>
-            <a:ext cx="8015605" cy="5144770"/>
-          </a:xfrm>
-          <a:prstGeom prst="rect">
-            <a:avLst/>
-          </a:prstGeom>
-        </p:spPr>
-      </p:pic>
     </p:spTree>
   </p:cSld>
   <p:clrMapOvr>
@@ -4385,21 +3765,12 @@
           <a:chExt cx="0" cy="0"/>
         </a:xfrm>
       </p:grpSpPr>
-      <p:pic>
-        <p:nvPicPr>
-          <p:cNvPr id="2" name="Image 0" descr="preencoded.png"/>
-          <p:cNvPicPr>
-            <a:picLocks noChangeAspect="1"/>
-          </p:cNvPicPr>
-          <p:nvPr/>
-        </p:nvPicPr>
-        <p:blipFill>
-          <a:blip r:embed="rId1"/>
-          <a:srcRect/>
-          <a:stretch>
-            <a:fillRect/>
-          </a:stretch>
-        </p:blipFill>
+      <p:sp>
+        <p:nvSpPr>
+          <p:cNvPr id="2" name="Shape 0"/>
+          <p:cNvSpPr/>
+          <p:nvPr/>
+        </p:nvSpPr>
         <p:spPr>
           <a:xfrm>
             <a:off x="0" y="0"/>
@@ -4408,18 +3779,27 @@
           <a:prstGeom prst="rect">
             <a:avLst/>
           </a:prstGeom>
-        </p:spPr>
-      </p:pic>
-      <p:sp>
-        <p:nvSpPr>
-          <p:cNvPr id="3" name="Text 0"/>
-          <p:cNvSpPr/>
-          <p:nvPr/>
-        </p:nvSpPr>
-        <p:spPr>
-          <a:xfrm>
-            <a:off x="571500" y="1828800"/>
-            <a:ext cx="8001000" cy="857250"/>
+          <a:solidFill>
+            <a:srgbClr val="FFFFFF"/>
+          </a:solidFill>
+        </p:spPr>
+        <p:txBody>
+          <a:bodyPr/>
+          <a:p>
+            <a:endParaRPr lang="zh-CN" altLang="en-US"/>
+          </a:p>
+        </p:txBody>
+      </p:sp>
+      <p:sp>
+        <p:nvSpPr>
+          <p:cNvPr id="3" name="Text 1"/>
+          <p:cNvSpPr/>
+          <p:nvPr/>
+        </p:nvSpPr>
+        <p:spPr>
+          <a:xfrm>
+            <a:off x="4803775" y="571500"/>
+            <a:ext cx="3768725" cy="1218565"/>
           </a:xfrm>
           <a:prstGeom prst="rect">
             <a:avLst/>
@@ -4430,37 +3810,37 @@
           <a:bodyPr vert="horz" wrap="square" lIns="0" tIns="0" rIns="0" bIns="0" rtlCol="0" anchor="ctr"/>
           <a:lstStyle/>
           <a:p>
-            <a:pPr marL="0" indent="0" algn="ctr">
-              <a:lnSpc>
-                <a:spcPts val="6750"/>
-              </a:lnSpc>
-              <a:buNone/>
-            </a:pPr>
-            <a:r>
-              <a:rPr lang="en-US" sz="4690" b="1" dirty="0">
+            <a:pPr marL="0" indent="0" algn="l">
+              <a:lnSpc>
+                <a:spcPts val="4200"/>
+              </a:lnSpc>
+              <a:buNone/>
+            </a:pPr>
+            <a:r>
+              <a:rPr lang="en-US" sz="3000" b="1" dirty="0">
                 <a:solidFill>
-                  <a:srgbClr val="FFFFFF"/>
+                  <a:srgbClr val="000000"/>
                 </a:solidFill>
                 <a:latin typeface="微软雅黑" panose="020B0503020204020204" pitchFamily="34" charset="-122"/>
                 <a:ea typeface="微软雅黑" panose="020B0503020204020204" pitchFamily="34" charset="-122"/>
                 <a:cs typeface="微软雅黑" panose="020B0503020204020204" pitchFamily="34" charset="-120"/>
               </a:rPr>
-              <a:t>THANKS</a:t>
-            </a:r>
-            <a:endParaRPr lang="en-US" sz="4690" dirty="0"/>
-          </a:p>
-        </p:txBody>
-      </p:sp>
-      <p:sp>
-        <p:nvSpPr>
-          <p:cNvPr id="4" name="Text 1"/>
-          <p:cNvSpPr/>
-          <p:nvPr/>
-        </p:nvSpPr>
-        <p:spPr>
-          <a:xfrm>
-            <a:off x="571500" y="4543425"/>
-            <a:ext cx="8001000" cy="219075"/>
+              <a:t>参考文档清单</a:t>
+            </a:r>
+            <a:endParaRPr lang="en-US" sz="3000" dirty="0"/>
+          </a:p>
+        </p:txBody>
+      </p:sp>
+      <p:sp>
+        <p:nvSpPr>
+          <p:cNvPr id="4" name="Text 2"/>
+          <p:cNvSpPr/>
+          <p:nvPr/>
+        </p:nvSpPr>
+        <p:spPr>
+          <a:xfrm>
+            <a:off x="5905500" y="1162050"/>
+            <a:ext cx="2667000" cy="266700"/>
           </a:xfrm>
           <a:prstGeom prst="rect">
             <a:avLst/>
@@ -4471,13 +3851,488 @@
           <a:bodyPr vert="horz" wrap="square" lIns="0" tIns="0" rIns="0" bIns="0" rtlCol="0" anchor="ctr"/>
           <a:lstStyle/>
           <a:p>
-            <a:pPr marL="0" indent="0" algn="ctr">
-              <a:lnSpc>
-                <a:spcPts val="1725"/>
-              </a:lnSpc>
-              <a:buNone/>
-            </a:pPr>
+            <a:pPr marL="0" indent="0" algn="l">
+              <a:lnSpc>
+                <a:spcPts val="2100"/>
+              </a:lnSpc>
+              <a:buNone/>
+            </a:pPr>
+            <a:endParaRPr lang="en-US" sz="1500" dirty="0"/>
+          </a:p>
+        </p:txBody>
+      </p:sp>
+      <p:sp>
+        <p:nvSpPr>
+          <p:cNvPr id="5" name="Shape 3"/>
+          <p:cNvSpPr/>
+          <p:nvPr>
+            <p:custDataLst>
+              <p:tags r:id="rId1"/>
+            </p:custDataLst>
+          </p:nvPr>
+        </p:nvSpPr>
+        <p:spPr>
+          <a:xfrm>
+            <a:off x="571500" y="571500"/>
+            <a:ext cx="2381250" cy="1047750"/>
+          </a:xfrm>
+          <a:prstGeom prst="roundRect">
+            <a:avLst>
+              <a:gd name="adj" fmla="val 10910"/>
+            </a:avLst>
+          </a:prstGeom>
+          <a:solidFill>
+            <a:srgbClr val="F2A228">
+              <a:alpha val="20000"/>
+            </a:srgbClr>
+          </a:solidFill>
+        </p:spPr>
+      </p:sp>
+      <p:sp>
+        <p:nvSpPr>
+          <p:cNvPr id="6" name="Text 4"/>
+          <p:cNvSpPr/>
+          <p:nvPr>
+            <p:custDataLst>
+              <p:tags r:id="rId2"/>
+            </p:custDataLst>
+          </p:nvPr>
+        </p:nvSpPr>
+        <p:spPr>
+          <a:xfrm>
+            <a:off x="762000" y="762000"/>
+            <a:ext cx="2000250" cy="209550"/>
+          </a:xfrm>
+          <a:prstGeom prst="rect">
+            <a:avLst/>
+          </a:prstGeom>
+          <a:noFill/>
+        </p:spPr>
+        <p:txBody>
+          <a:bodyPr vert="horz" wrap="square" lIns="0" tIns="0" rIns="0" bIns="0" rtlCol="0" anchor="ctr"/>
+          <a:lstStyle/>
+          <a:p>
+            <a:pPr marL="0" indent="0" algn="l">
+              <a:lnSpc>
+                <a:spcPts val="1650"/>
+              </a:lnSpc>
+              <a:buNone/>
+            </a:pPr>
+            <a:r>
+              <a:rPr lang="en-US" sz="1400" b="1" dirty="0">
+                <a:solidFill>
+                  <a:srgbClr val="000000"/>
+                </a:solidFill>
+                <a:latin typeface="微软雅黑" panose="020B0503020204020204" pitchFamily="34" charset="-122"/>
+                <a:ea typeface="微软雅黑" panose="020B0503020204020204" pitchFamily="34" charset="-122"/>
+                <a:cs typeface="微软雅黑" panose="020B0503020204020204" pitchFamily="34" charset="-120"/>
+              </a:rPr>
+              <a:t>前端框架文档</a:t>
+            </a:r>
+            <a:endParaRPr lang="en-US" sz="1400" b="1" dirty="0">
+              <a:solidFill>
+                <a:srgbClr val="000000"/>
+              </a:solidFill>
+              <a:latin typeface="微软雅黑" panose="020B0503020204020204" pitchFamily="34" charset="-122"/>
+              <a:ea typeface="微软雅黑" panose="020B0503020204020204" pitchFamily="34" charset="-122"/>
+              <a:cs typeface="微软雅黑" panose="020B0503020204020204" pitchFamily="34" charset="-120"/>
+            </a:endParaRPr>
+          </a:p>
+        </p:txBody>
+      </p:sp>
+      <p:sp>
+        <p:nvSpPr>
+          <p:cNvPr id="7" name="Text 5"/>
+          <p:cNvSpPr/>
+          <p:nvPr>
+            <p:custDataLst>
+              <p:tags r:id="rId3"/>
+            </p:custDataLst>
+          </p:nvPr>
+        </p:nvSpPr>
+        <p:spPr>
+          <a:xfrm>
+            <a:off x="762000" y="1047750"/>
+            <a:ext cx="2000250" cy="381000"/>
+          </a:xfrm>
+          <a:prstGeom prst="rect">
+            <a:avLst/>
+          </a:prstGeom>
+          <a:noFill/>
+        </p:spPr>
+        <p:txBody>
+          <a:bodyPr vert="horz" wrap="square" lIns="0" tIns="0" rIns="0" bIns="0" rtlCol="0" anchor="ctr"/>
+          <a:lstStyle/>
+          <a:p>
+            <a:pPr marL="0" indent="0" algn="l">
+              <a:lnSpc>
+                <a:spcPts val="1500"/>
+              </a:lnSpc>
+              <a:buNone/>
+            </a:pPr>
+            <a:r>
+              <a:rPr lang="en-US" sz="1200" dirty="0">
+                <a:solidFill>
+                  <a:srgbClr val="000000"/>
+                </a:solidFill>
+                <a:latin typeface="微软雅黑" panose="020B0503020204020204" pitchFamily="34" charset="-122"/>
+                <a:ea typeface="微软雅黑" panose="020B0503020204020204" pitchFamily="34" charset="-122"/>
+                <a:cs typeface="微软雅黑" panose="020B0503020204020204" pitchFamily="34" charset="-120"/>
+              </a:rPr>
+              <a:t>Vue官方文档，提供详细的API说明和最佳实践指导。</a:t>
+            </a:r>
+            <a:endParaRPr lang="en-US" sz="1200" dirty="0">
+              <a:solidFill>
+                <a:srgbClr val="000000"/>
+              </a:solidFill>
+              <a:latin typeface="微软雅黑" panose="020B0503020204020204" pitchFamily="34" charset="-122"/>
+              <a:ea typeface="微软雅黑" panose="020B0503020204020204" pitchFamily="34" charset="-122"/>
+              <a:cs typeface="微软雅黑" panose="020B0503020204020204" pitchFamily="34" charset="-120"/>
+            </a:endParaRPr>
+          </a:p>
+        </p:txBody>
+      </p:sp>
+      <p:sp>
+        <p:nvSpPr>
+          <p:cNvPr id="8" name="Shape 6"/>
+          <p:cNvSpPr/>
+          <p:nvPr>
+            <p:custDataLst>
+              <p:tags r:id="rId4"/>
+            </p:custDataLst>
+          </p:nvPr>
+        </p:nvSpPr>
+        <p:spPr>
+          <a:xfrm>
+            <a:off x="571500" y="3238500"/>
+            <a:ext cx="2381250" cy="1047750"/>
+          </a:xfrm>
+          <a:prstGeom prst="roundRect">
+            <a:avLst>
+              <a:gd name="adj" fmla="val 10910"/>
+            </a:avLst>
+          </a:prstGeom>
+          <a:solidFill>
+            <a:srgbClr val="F2A228">
+              <a:alpha val="20000"/>
+            </a:srgbClr>
+          </a:solidFill>
+        </p:spPr>
+      </p:sp>
+      <p:sp>
+        <p:nvSpPr>
+          <p:cNvPr id="9" name="Text 7"/>
+          <p:cNvSpPr/>
+          <p:nvPr>
+            <p:custDataLst>
+              <p:tags r:id="rId5"/>
+            </p:custDataLst>
+          </p:nvPr>
+        </p:nvSpPr>
+        <p:spPr>
+          <a:xfrm>
+            <a:off x="3429000" y="838200"/>
+            <a:ext cx="2000250" cy="209550"/>
+          </a:xfrm>
+          <a:prstGeom prst="rect">
+            <a:avLst/>
+          </a:prstGeom>
+          <a:noFill/>
+        </p:spPr>
+        <p:txBody>
+          <a:bodyPr vert="horz" wrap="square" lIns="0" tIns="0" rIns="0" bIns="0" rtlCol="0" anchor="ctr"/>
+          <a:lstStyle/>
+          <a:p>
+            <a:pPr marL="0" indent="0" algn="l">
+              <a:lnSpc>
+                <a:spcPts val="1650"/>
+              </a:lnSpc>
+              <a:buNone/>
+            </a:pPr>
+            <a:endParaRPr lang="en-US" sz="1125" dirty="0"/>
+          </a:p>
+        </p:txBody>
+      </p:sp>
+      <p:sp>
+        <p:nvSpPr>
+          <p:cNvPr id="10" name="Text 8"/>
+          <p:cNvSpPr/>
+          <p:nvPr>
+            <p:custDataLst>
+              <p:tags r:id="rId6"/>
+            </p:custDataLst>
+          </p:nvPr>
+        </p:nvSpPr>
+        <p:spPr>
+          <a:xfrm>
+            <a:off x="3333750" y="1047750"/>
+            <a:ext cx="2000250" cy="381000"/>
+          </a:xfrm>
+          <a:prstGeom prst="rect">
+            <a:avLst/>
+          </a:prstGeom>
+          <a:noFill/>
+        </p:spPr>
+        <p:txBody>
+          <a:bodyPr vert="horz" wrap="square" lIns="0" tIns="0" rIns="0" bIns="0" rtlCol="0" anchor="ctr"/>
+          <a:lstStyle/>
+          <a:p>
+            <a:pPr marL="0" indent="0" algn="l">
+              <a:lnSpc>
+                <a:spcPts val="1500"/>
+              </a:lnSpc>
+              <a:buNone/>
+            </a:pPr>
+            <a:endParaRPr lang="en-US" sz="900" dirty="0"/>
+          </a:p>
+        </p:txBody>
+      </p:sp>
+      <p:sp>
+        <p:nvSpPr>
+          <p:cNvPr id="11" name="Shape 9"/>
+          <p:cNvSpPr/>
+          <p:nvPr>
+            <p:custDataLst>
+              <p:tags r:id="rId7"/>
+            </p:custDataLst>
+          </p:nvPr>
+        </p:nvSpPr>
+        <p:spPr>
+          <a:xfrm>
+            <a:off x="571500" y="1809750"/>
+            <a:ext cx="2381250" cy="1047750"/>
+          </a:xfrm>
+          <a:prstGeom prst="roundRect">
+            <a:avLst>
+              <a:gd name="adj" fmla="val 10910"/>
+            </a:avLst>
+          </a:prstGeom>
+          <a:solidFill>
+            <a:srgbClr val="F2A228">
+              <a:alpha val="20000"/>
+            </a:srgbClr>
+          </a:solidFill>
+        </p:spPr>
+      </p:sp>
+      <p:sp>
+        <p:nvSpPr>
+          <p:cNvPr id="12" name="Text 10"/>
+          <p:cNvSpPr/>
+          <p:nvPr>
+            <p:custDataLst>
+              <p:tags r:id="rId8"/>
+            </p:custDataLst>
+          </p:nvPr>
+        </p:nvSpPr>
+        <p:spPr>
+          <a:xfrm>
+            <a:off x="762000" y="2000250"/>
+            <a:ext cx="2000250" cy="209550"/>
+          </a:xfrm>
+          <a:prstGeom prst="rect">
+            <a:avLst/>
+          </a:prstGeom>
+          <a:noFill/>
+        </p:spPr>
+        <p:txBody>
+          <a:bodyPr vert="horz" wrap="square" lIns="0" tIns="0" rIns="0" bIns="0" rtlCol="0" anchor="ctr"/>
+          <a:lstStyle/>
+          <a:p>
+            <a:pPr marL="0" indent="0" algn="l">
+              <a:lnSpc>
+                <a:spcPts val="1650"/>
+              </a:lnSpc>
+              <a:buNone/>
+            </a:pPr>
+            <a:r>
+              <a:rPr lang="en-US" sz="1400" b="1" dirty="0">
+                <a:solidFill>
+                  <a:srgbClr val="000000"/>
+                </a:solidFill>
+                <a:latin typeface="微软雅黑" panose="020B0503020204020204" pitchFamily="34" charset="-122"/>
+                <a:ea typeface="微软雅黑" panose="020B0503020204020204" pitchFamily="34" charset="-122"/>
+                <a:cs typeface="微软雅黑" panose="020B0503020204020204" pitchFamily="34" charset="-120"/>
+                <a:sym typeface="+mn-ea"/>
+              </a:rPr>
+              <a:t>UI组件库</a:t>
+            </a:r>
+            <a:endParaRPr lang="en-US" sz="1400" b="1" dirty="0">
+              <a:solidFill>
+                <a:srgbClr val="000000"/>
+              </a:solidFill>
+              <a:latin typeface="微软雅黑" panose="020B0503020204020204" pitchFamily="34" charset="-122"/>
+              <a:ea typeface="微软雅黑" panose="020B0503020204020204" pitchFamily="34" charset="-122"/>
+              <a:cs typeface="微软雅黑" panose="020B0503020204020204" pitchFamily="34" charset="-120"/>
+              <a:sym typeface="+mn-ea"/>
+            </a:endParaRPr>
+          </a:p>
+        </p:txBody>
+      </p:sp>
+      <p:sp>
+        <p:nvSpPr>
+          <p:cNvPr id="13" name="Text 11"/>
+          <p:cNvSpPr/>
+          <p:nvPr>
+            <p:custDataLst>
+              <p:tags r:id="rId9"/>
+            </p:custDataLst>
+          </p:nvPr>
+        </p:nvSpPr>
+        <p:spPr>
+          <a:xfrm>
+            <a:off x="762000" y="2286000"/>
+            <a:ext cx="2000250" cy="381000"/>
+          </a:xfrm>
+          <a:prstGeom prst="rect">
+            <a:avLst/>
+          </a:prstGeom>
+          <a:noFill/>
+        </p:spPr>
+        <p:txBody>
+          <a:bodyPr vert="horz" wrap="square" lIns="0" tIns="0" rIns="0" bIns="0" rtlCol="0" anchor="ctr"/>
+          <a:lstStyle/>
+          <a:p>
+            <a:pPr marL="0" indent="0" algn="l">
+              <a:lnSpc>
+                <a:spcPts val="1500"/>
+              </a:lnSpc>
+              <a:buNone/>
+            </a:pPr>
+            <a:endParaRPr lang="en-US" sz="900" dirty="0"/>
+          </a:p>
+        </p:txBody>
+      </p:sp>
+      <p:sp>
+        <p:nvSpPr>
+          <p:cNvPr id="14" name="文本框 13"/>
+          <p:cNvSpPr txBox="1"/>
+          <p:nvPr/>
+        </p:nvSpPr>
+        <p:spPr>
+          <a:xfrm>
+            <a:off x="762635" y="3749040"/>
+            <a:ext cx="2190115" cy="523240"/>
+          </a:xfrm>
+          <a:prstGeom prst="rect">
+            <a:avLst/>
+          </a:prstGeom>
+          <a:noFill/>
+        </p:spPr>
+        <p:txBody>
+          <a:bodyPr wrap="square" rtlCol="0">
+            <a:noAutofit/>
+          </a:bodyPr>
+          <a:p>
+            <a:r>
+              <a:rPr lang="en-US" sz="1200" dirty="0">
+                <a:solidFill>
+                  <a:srgbClr val="000000"/>
+                </a:solidFill>
+                <a:latin typeface="微软雅黑" panose="020B0503020204020204" pitchFamily="34" charset="-122"/>
+                <a:ea typeface="微软雅黑" panose="020B0503020204020204" pitchFamily="34" charset="-122"/>
+                <a:cs typeface="微软雅黑" panose="020B0503020204020204" pitchFamily="34" charset="-122"/>
+                <a:sym typeface="+mn-ea"/>
+              </a:rPr>
+              <a:t>Vue官方风格指南，确保代码质量和一致性。</a:t>
+            </a:r>
+            <a:endParaRPr lang="en-US" sz="1200" dirty="0">
+              <a:latin typeface="微软雅黑" panose="020B0503020204020204" pitchFamily="34" charset="-122"/>
+              <a:ea typeface="微软雅黑" panose="020B0503020204020204" pitchFamily="34" charset="-122"/>
+              <a:cs typeface="微软雅黑" panose="020B0503020204020204" pitchFamily="34" charset="-122"/>
+            </a:endParaRPr>
+          </a:p>
+          <a:p>
+            <a:endParaRPr lang="en-US" altLang="en-US" sz="1200" dirty="0">
+              <a:latin typeface="微软雅黑" panose="020B0503020204020204" pitchFamily="34" charset="-122"/>
+              <a:ea typeface="微软雅黑" panose="020B0503020204020204" pitchFamily="34" charset="-122"/>
+              <a:cs typeface="微软雅黑" panose="020B0503020204020204" pitchFamily="34" charset="-122"/>
+            </a:endParaRPr>
+          </a:p>
+        </p:txBody>
+      </p:sp>
+      <p:sp>
+        <p:nvSpPr>
+          <p:cNvPr id="15" name="文本框 14"/>
+          <p:cNvSpPr txBox="1"/>
+          <p:nvPr/>
+        </p:nvSpPr>
+        <p:spPr>
+          <a:xfrm>
+            <a:off x="775970" y="3420745"/>
+            <a:ext cx="1986280" cy="521970"/>
+          </a:xfrm>
+          <a:prstGeom prst="rect">
+            <a:avLst/>
+          </a:prstGeom>
+          <a:noFill/>
+        </p:spPr>
+        <p:txBody>
+          <a:bodyPr wrap="square" rtlCol="0">
+            <a:spAutoFit/>
+          </a:bodyPr>
+          <a:p>
+            <a:r>
+              <a:rPr lang="en-US" sz="1400" b="1" dirty="0">
+                <a:solidFill>
+                  <a:srgbClr val="000000"/>
+                </a:solidFill>
+                <a:latin typeface="微软雅黑" panose="020B0503020204020204" pitchFamily="34" charset="-122"/>
+                <a:ea typeface="微软雅黑" panose="020B0503020204020204" pitchFamily="34" charset="-122"/>
+                <a:cs typeface="微软雅黑" panose="020B0503020204020204" pitchFamily="34" charset="-120"/>
+                <a:sym typeface="+mn-ea"/>
+              </a:rPr>
+              <a:t>编码规范</a:t>
+            </a:r>
+            <a:endParaRPr lang="en-US" sz="1400" dirty="0">
+              <a:latin typeface="微软雅黑" panose="020B0503020204020204" pitchFamily="34" charset="-122"/>
+              <a:ea typeface="微软雅黑" panose="020B0503020204020204" pitchFamily="34" charset="-122"/>
+            </a:endParaRPr>
+          </a:p>
+          <a:p>
+            <a:endParaRPr lang="en-US" altLang="en-US" sz="1400" dirty="0">
+              <a:latin typeface="微软雅黑" panose="020B0503020204020204" pitchFamily="34" charset="-122"/>
+              <a:ea typeface="微软雅黑" panose="020B0503020204020204" pitchFamily="34" charset="-122"/>
+            </a:endParaRPr>
+          </a:p>
+        </p:txBody>
+      </p:sp>
+      <p:sp>
+        <p:nvSpPr>
+          <p:cNvPr id="17" name="文本框 16"/>
+          <p:cNvSpPr txBox="1"/>
+          <p:nvPr/>
+        </p:nvSpPr>
+        <p:spPr>
+          <a:xfrm>
+            <a:off x="633730" y="2319020"/>
+            <a:ext cx="2319020" cy="645160"/>
+          </a:xfrm>
+          <a:prstGeom prst="rect">
+            <a:avLst/>
+          </a:prstGeom>
+          <a:noFill/>
+        </p:spPr>
+        <p:txBody>
+          <a:bodyPr wrap="square" rtlCol="0">
+            <a:spAutoFit/>
+          </a:bodyPr>
+          <a:p>
+            <a:r>
+              <a:rPr lang="en-US" sz="1200" dirty="0">
+                <a:solidFill>
+                  <a:srgbClr val="000000"/>
+                </a:solidFill>
+                <a:latin typeface="微软雅黑" panose="020B0503020204020204" pitchFamily="34" charset="-122"/>
+                <a:ea typeface="微软雅黑" panose="020B0503020204020204" pitchFamily="34" charset="-122"/>
+                <a:cs typeface="微软雅黑" panose="020B0503020204020204" pitchFamily="34" charset="-120"/>
+                <a:sym typeface="+mn-ea"/>
+              </a:rPr>
+              <a:t>Element-UI组件文档，涵盖所有组件的使用方法和示例代码。</a:t>
+            </a:r>
             <a:endParaRPr lang="en-US" sz="1200" dirty="0"/>
+          </a:p>
+          <a:p>
+            <a:endParaRPr lang="en-US" altLang="en-US" sz="1200" dirty="0"/>
           </a:p>
         </p:txBody>
       </p:sp>
@@ -5418,6 +5273,127 @@
 </p:sld>
 </file>
 
+<file path=ppt/slides/slide20.xml><?xml version="1.0" encoding="utf-8"?>
+<p:sld xmlns:a="http://schemas.openxmlformats.org/drawingml/2006/main" xmlns:r="http://schemas.openxmlformats.org/officeDocument/2006/relationships" xmlns:p="http://schemas.openxmlformats.org/presentationml/2006/main">
+  <p:cSld>
+    <p:spTree>
+      <p:nvGrpSpPr>
+        <p:cNvPr id="1" name=""/>
+        <p:cNvGrpSpPr/>
+        <p:nvPr/>
+      </p:nvGrpSpPr>
+      <p:grpSpPr>
+        <a:xfrm>
+          <a:off x="0" y="0"/>
+          <a:ext cx="0" cy="0"/>
+          <a:chOff x="0" y="0"/>
+          <a:chExt cx="0" cy="0"/>
+        </a:xfrm>
+      </p:grpSpPr>
+      <p:pic>
+        <p:nvPicPr>
+          <p:cNvPr id="2" name="Image 0" descr="preencoded.png"/>
+          <p:cNvPicPr>
+            <a:picLocks noChangeAspect="1"/>
+          </p:cNvPicPr>
+          <p:nvPr/>
+        </p:nvPicPr>
+        <p:blipFill>
+          <a:blip r:embed="rId1"/>
+          <a:srcRect/>
+          <a:stretch>
+            <a:fillRect/>
+          </a:stretch>
+        </p:blipFill>
+        <p:spPr>
+          <a:xfrm>
+            <a:off x="0" y="0"/>
+            <a:ext cx="9144000" cy="5143500"/>
+          </a:xfrm>
+          <a:prstGeom prst="rect">
+            <a:avLst/>
+          </a:prstGeom>
+        </p:spPr>
+      </p:pic>
+      <p:sp>
+        <p:nvSpPr>
+          <p:cNvPr id="3" name="Text 0"/>
+          <p:cNvSpPr/>
+          <p:nvPr/>
+        </p:nvSpPr>
+        <p:spPr>
+          <a:xfrm>
+            <a:off x="571500" y="1828800"/>
+            <a:ext cx="8001000" cy="857250"/>
+          </a:xfrm>
+          <a:prstGeom prst="rect">
+            <a:avLst/>
+          </a:prstGeom>
+          <a:noFill/>
+        </p:spPr>
+        <p:txBody>
+          <a:bodyPr vert="horz" wrap="square" lIns="0" tIns="0" rIns="0" bIns="0" rtlCol="0" anchor="ctr"/>
+          <a:lstStyle/>
+          <a:p>
+            <a:pPr marL="0" indent="0" algn="ctr">
+              <a:lnSpc>
+                <a:spcPts val="6750"/>
+              </a:lnSpc>
+              <a:buNone/>
+            </a:pPr>
+            <a:r>
+              <a:rPr lang="en-US" sz="4690" b="1" dirty="0">
+                <a:solidFill>
+                  <a:srgbClr val="FFFFFF"/>
+                </a:solidFill>
+                <a:latin typeface="微软雅黑" panose="020B0503020204020204" pitchFamily="34" charset="-122"/>
+                <a:ea typeface="微软雅黑" panose="020B0503020204020204" pitchFamily="34" charset="-122"/>
+                <a:cs typeface="微软雅黑" panose="020B0503020204020204" pitchFamily="34" charset="-120"/>
+              </a:rPr>
+              <a:t>THANKS</a:t>
+            </a:r>
+            <a:endParaRPr lang="en-US" sz="4690" dirty="0"/>
+          </a:p>
+        </p:txBody>
+      </p:sp>
+      <p:sp>
+        <p:nvSpPr>
+          <p:cNvPr id="4" name="Text 1"/>
+          <p:cNvSpPr/>
+          <p:nvPr/>
+        </p:nvSpPr>
+        <p:spPr>
+          <a:xfrm>
+            <a:off x="571500" y="4543425"/>
+            <a:ext cx="8001000" cy="219075"/>
+          </a:xfrm>
+          <a:prstGeom prst="rect">
+            <a:avLst/>
+          </a:prstGeom>
+          <a:noFill/>
+        </p:spPr>
+        <p:txBody>
+          <a:bodyPr vert="horz" wrap="square" lIns="0" tIns="0" rIns="0" bIns="0" rtlCol="0" anchor="ctr"/>
+          <a:lstStyle/>
+          <a:p>
+            <a:pPr marL="0" indent="0" algn="ctr">
+              <a:lnSpc>
+                <a:spcPts val="1725"/>
+              </a:lnSpc>
+              <a:buNone/>
+            </a:pPr>
+            <a:endParaRPr lang="en-US" sz="1200" dirty="0"/>
+          </a:p>
+        </p:txBody>
+      </p:sp>
+    </p:spTree>
+  </p:cSld>
+  <p:clrMapOvr>
+    <a:masterClrMapping/>
+  </p:clrMapOvr>
+</p:sld>
+</file>
+
 <file path=ppt/slides/slide3.xml><?xml version="1.0" encoding="utf-8"?>
 <p:sld xmlns:a="http://schemas.openxmlformats.org/drawingml/2006/main" xmlns:r="http://schemas.openxmlformats.org/officeDocument/2006/relationships" xmlns:p="http://schemas.openxmlformats.org/presentationml/2006/main">
   <p:cSld>
@@ -6921,11 +6897,7 @@
               <a:rPr dirty="0"/>
               <a:t>上传图片实现</a:t>
             </a:r>
-            <a:r>
-              <a:rPr lang="zh-CN" dirty="0"/>
-              <a:t>，富文本编译器</a:t>
-            </a:r>
-            <a:endParaRPr lang="zh-CN" dirty="0"/>
+            <a:endParaRPr dirty="0"/>
           </a:p>
           <a:p>
             <a:pPr marL="0" algn="l">
@@ -6939,83 +6911,7 @@
             </a:pPr>
             <a:r>
               <a:rPr dirty="0"/>
-              <a:t> 商品添加</a:t>
-            </a:r>
-            <a:r>
-              <a:rPr lang="zh-CN" dirty="0"/>
-              <a:t>，</a:t>
-            </a:r>
-            <a:r>
-              <a:rPr dirty="0"/>
-              <a:t>清空表单</a:t>
-            </a:r>
-            <a:endParaRPr dirty="0"/>
-          </a:p>
-          <a:p>
-            <a:pPr marL="0" algn="l">
-              <a:lnSpc>
-                <a:spcPts val="2550"/>
-              </a:lnSpc>
-              <a:buClrTx/>
-              <a:buSzTx/>
-              <a:buFontTx/>
-              <a:buNone/>
-            </a:pPr>
-            <a:r>
-              <a:rPr dirty="0"/>
-              <a:t>删除商品</a:t>
-            </a:r>
-            <a:r>
-              <a:rPr lang="zh-CN" dirty="0"/>
-              <a:t>，</a:t>
-            </a:r>
-            <a:r>
-              <a:rPr dirty="0"/>
-              <a:t>编辑商品</a:t>
-            </a:r>
-            <a:endParaRPr dirty="0"/>
-          </a:p>
-          <a:p>
-            <a:pPr marL="0" algn="l">
-              <a:lnSpc>
-                <a:spcPts val="2550"/>
-              </a:lnSpc>
-              <a:buClrTx/>
-              <a:buSzTx/>
-              <a:buFontTx/>
-              <a:buNone/>
-            </a:pPr>
-            <a:r>
-              <a:rPr dirty="0"/>
-              <a:t>   技术：Element-ui表格组件、</a:t>
-            </a:r>
-            <a:r>
-              <a:rPr lang="en-US" dirty="0"/>
-              <a:t>vue</a:t>
-            </a:r>
-            <a:r>
-              <a:rPr dirty="0"/>
-              <a:t>、</a:t>
-            </a:r>
-            <a:r>
-              <a:rPr lang="en-US" dirty="0"/>
-              <a:t>mysql</a:t>
-            </a:r>
-            <a:r>
-              <a:rPr lang="zh-CN" altLang="en-US" dirty="0"/>
-              <a:t>，</a:t>
-            </a:r>
-            <a:r>
-              <a:rPr lang="en-US" altLang="zh-CN" dirty="0"/>
-              <a:t>axios</a:t>
-            </a:r>
-            <a:r>
-              <a:rPr lang="en-US" dirty="0"/>
-              <a:t>,wangEditor，multer</a:t>
-            </a:r>
-            <a:r>
-              <a:rPr dirty="0"/>
-              <a:t>。</a:t>
+              <a:t>   技术：Element-ui表格组件、树形控件、阿里云OSS图片上传。</a:t>
             </a:r>
             <a:endParaRPr dirty="0"/>
           </a:p>
@@ -7277,7 +7173,21 @@
                 <a:latin typeface="+mn-ea"/>
                 <a:cs typeface="+mn-ea"/>
               </a:rPr>
-              <a:t>原因：用接口不同和统一每个人本地数据库的信息不一致。</a:t>
+              <a:t>（通过查询资料，询问</a:t>
+            </a:r>
+            <a:r>
+              <a:rPr lang="en-US" altLang="zh-CN" b="1">
+                <a:latin typeface="+mn-ea"/>
+                <a:cs typeface="+mn-ea"/>
+              </a:rPr>
+              <a:t>ai</a:t>
+            </a:r>
+            <a:r>
+              <a:rPr lang="zh-CN" altLang="en-US" b="1">
+                <a:latin typeface="+mn-ea"/>
+                <a:cs typeface="+mn-ea"/>
+              </a:rPr>
+              <a:t>，已经得到解决）</a:t>
             </a:r>
             <a:endParaRPr lang="zh-CN" altLang="en-US" b="1">
               <a:latin typeface="+mn-ea"/>
@@ -7290,63 +7200,20 @@
                 <a:latin typeface="+mn-ea"/>
                 <a:cs typeface="+mn-ea"/>
               </a:rPr>
-              <a:t>解决：统一数据库信息。</a:t>
-            </a:r>
-            <a:endParaRPr lang="zh-CN" altLang="en-US" b="1">
-              <a:latin typeface="+mn-ea"/>
-              <a:cs typeface="+mn-ea"/>
-            </a:endParaRPr>
-          </a:p>
-          <a:p>
-            <a:r>
-              <a:rPr lang="zh-CN" altLang="en-US" b="1">
-                <a:latin typeface="+mn-ea"/>
-                <a:cs typeface="+mn-ea"/>
+              <a:t>2. 测试不足 </a:t>
+            </a:r>
+            <a:r>
+              <a:rPr lang="zh-CN" altLang="en-US">
+                <a:latin typeface="华文行楷" panose="02010800040101010101" charset="-122"/>
+                <a:ea typeface="华文行楷" panose="02010800040101010101" charset="-122"/>
+                <a:cs typeface="华文行楷" panose="02010800040101010101" charset="-122"/>
               </a:rPr>
-              <a:t>2.商品无法正确添加，数据库内不写入数据</a:t>
-            </a:r>
-            <a:endParaRPr lang="zh-CN" altLang="en-US" b="1">
-              <a:latin typeface="+mn-ea"/>
-              <a:cs typeface="+mn-ea"/>
-            </a:endParaRPr>
-          </a:p>
-          <a:p>
-            <a:r>
-              <a:rPr lang="zh-CN" altLang="en-US" b="1">
-                <a:latin typeface="+mn-ea"/>
-                <a:cs typeface="+mn-ea"/>
-              </a:rPr>
-              <a:t>原因：实际表结构与代码不一致，会导致数据错位，需要验证字段顺序和表结构是否一致需要调整SQL和参数数组</a:t>
-            </a:r>
-            <a:endParaRPr lang="zh-CN" altLang="en-US" b="1">
-              <a:latin typeface="+mn-ea"/>
-              <a:cs typeface="+mn-ea"/>
-            </a:endParaRPr>
-          </a:p>
-          <a:p>
-            <a:r>
-              <a:rPr lang="zh-CN" altLang="en-US" b="1">
-                <a:latin typeface="+mn-ea"/>
-                <a:cs typeface="+mn-ea"/>
-              </a:rPr>
-              <a:t>解决：小组四人共同商讨和调整</a:t>
-            </a:r>
-            <a:r>
-              <a:rPr lang="zh-CN" altLang="en-US" b="1">
-                <a:latin typeface="+mn-ea"/>
-                <a:cs typeface="+mn-ea"/>
-              </a:rPr>
-              <a:t>了sql和参数数组,修改了数据库。</a:t>
-            </a:r>
-            <a:endParaRPr lang="zh-CN" altLang="en-US" b="1">
-              <a:latin typeface="+mn-ea"/>
-              <a:cs typeface="+mn-ea"/>
-            </a:endParaRPr>
-          </a:p>
-          <a:p>
-            <a:endParaRPr lang="en-US" altLang="zh-CN" b="1">
-              <a:latin typeface="+mn-ea"/>
-              <a:cs typeface="+mn-ea"/>
+              <a:t>。</a:t>
+            </a:r>
+            <a:endParaRPr lang="zh-CN" altLang="en-US">
+              <a:latin typeface="华文行楷" panose="02010800040101010101" charset="-122"/>
+              <a:ea typeface="华文行楷" panose="02010800040101010101" charset="-122"/>
+              <a:cs typeface="华文行楷" panose="02010800040101010101" charset="-122"/>
             </a:endParaRPr>
           </a:p>
         </p:txBody>
@@ -7439,20 +7306,67 @@
 
 <file path=ppt/tags/tag13.xml><?xml version="1.0" encoding="utf-8"?>
 <p:tagLst xmlns:p="http://schemas.openxmlformats.org/presentationml/2006/main">
-  <p:tag name="TABLE_ENDDRAG_ORIGIN_RECT" val="561*303"/>
-  <p:tag name="TABLE_ENDDRAG_RECT" val="71*97*561*303"/>
+  <p:tag name="KSO_WM_DIAGRAM_VIRTUALLY_FRAME" val="{&quot;height&quot;:300,&quot;left&quot;:45,&quot;top&quot;:45,&quot;width&quot;:390}"/>
 </p:tagLst>
 </file>
 
 <file path=ppt/tags/tag14.xml><?xml version="1.0" encoding="utf-8"?>
 <p:tagLst xmlns:p="http://schemas.openxmlformats.org/presentationml/2006/main">
-  <p:tag name="commondata" val="eyJoZGlkIjoiMjYyZmZlM2RiNzNkODYzMmRmMzE4MjFlOTcxMTVjYTIifQ=="/>
+  <p:tag name="KSO_WM_DIAGRAM_VIRTUALLY_FRAME" val="{&quot;height&quot;:300,&quot;left&quot;:45,&quot;top&quot;:45,&quot;width&quot;:390}"/>
+</p:tagLst>
+</file>
+
+<file path=ppt/tags/tag15.xml><?xml version="1.0" encoding="utf-8"?>
+<p:tagLst xmlns:p="http://schemas.openxmlformats.org/presentationml/2006/main">
+  <p:tag name="KSO_WM_DIAGRAM_VIRTUALLY_FRAME" val="{&quot;height&quot;:300,&quot;left&quot;:45,&quot;top&quot;:45,&quot;width&quot;:390}"/>
+</p:tagLst>
+</file>
+
+<file path=ppt/tags/tag16.xml><?xml version="1.0" encoding="utf-8"?>
+<p:tagLst xmlns:p="http://schemas.openxmlformats.org/presentationml/2006/main">
+  <p:tag name="KSO_WM_DIAGRAM_VIRTUALLY_FRAME" val="{&quot;height&quot;:300,&quot;left&quot;:45,&quot;top&quot;:45,&quot;width&quot;:390}"/>
+</p:tagLst>
+</file>
+
+<file path=ppt/tags/tag17.xml><?xml version="1.0" encoding="utf-8"?>
+<p:tagLst xmlns:p="http://schemas.openxmlformats.org/presentationml/2006/main">
+  <p:tag name="KSO_WM_DIAGRAM_VIRTUALLY_FRAME" val="{&quot;height&quot;:300,&quot;left&quot;:45,&quot;top&quot;:45,&quot;width&quot;:390}"/>
+</p:tagLst>
+</file>
+
+<file path=ppt/tags/tag18.xml><?xml version="1.0" encoding="utf-8"?>
+<p:tagLst xmlns:p="http://schemas.openxmlformats.org/presentationml/2006/main">
+  <p:tag name="KSO_WM_DIAGRAM_VIRTUALLY_FRAME" val="{&quot;height&quot;:300,&quot;left&quot;:45,&quot;top&quot;:45,&quot;width&quot;:390}"/>
+</p:tagLst>
+</file>
+
+<file path=ppt/tags/tag19.xml><?xml version="1.0" encoding="utf-8"?>
+<p:tagLst xmlns:p="http://schemas.openxmlformats.org/presentationml/2006/main">
+  <p:tag name="KSO_WM_DIAGRAM_VIRTUALLY_FRAME" val="{&quot;height&quot;:300,&quot;left&quot;:45,&quot;top&quot;:45,&quot;width&quot;:390}"/>
 </p:tagLst>
 </file>
 
 <file path=ppt/tags/tag2.xml><?xml version="1.0" encoding="utf-8"?>
 <p:tagLst xmlns:p="http://schemas.openxmlformats.org/presentationml/2006/main">
   <p:tag name="KSO_WM_DIAGRAM_VIRTUALLY_FRAME" val="{&quot;height&quot;:300,&quot;left&quot;:270,&quot;top&quot;:45,&quot;width&quot;:393.75}"/>
+</p:tagLst>
+</file>
+
+<file path=ppt/tags/tag20.xml><?xml version="1.0" encoding="utf-8"?>
+<p:tagLst xmlns:p="http://schemas.openxmlformats.org/presentationml/2006/main">
+  <p:tag name="KSO_WM_DIAGRAM_VIRTUALLY_FRAME" val="{&quot;height&quot;:300,&quot;left&quot;:45,&quot;top&quot;:45,&quot;width&quot;:390}"/>
+</p:tagLst>
+</file>
+
+<file path=ppt/tags/tag21.xml><?xml version="1.0" encoding="utf-8"?>
+<p:tagLst xmlns:p="http://schemas.openxmlformats.org/presentationml/2006/main">
+  <p:tag name="KSO_WM_DIAGRAM_VIRTUALLY_FRAME" val="{&quot;height&quot;:300,&quot;left&quot;:45,&quot;top&quot;:45,&quot;width&quot;:390}"/>
+</p:tagLst>
+</file>
+
+<file path=ppt/tags/tag22.xml><?xml version="1.0" encoding="utf-8"?>
+<p:tagLst xmlns:p="http://schemas.openxmlformats.org/presentationml/2006/main">
+  <p:tag name="commondata" val="eyJoZGlkIjoiMjYyZmZlM2RiNzNkODYzMmRmMzE4MjFlOTcxMTVjYTIifQ=="/>
 </p:tagLst>
 </file>
 
